--- a/모바일SW 중간발표.pptx
+++ b/모바일SW 중간발표.pptx
@@ -9,11 +9,12 @@
     <p:sldId id="258" r:id="rId3"/>
     <p:sldId id="259" r:id="rId4"/>
     <p:sldId id="262" r:id="rId5"/>
-    <p:sldId id="260" r:id="rId6"/>
-    <p:sldId id="261" r:id="rId7"/>
-    <p:sldId id="264" r:id="rId8"/>
-    <p:sldId id="265" r:id="rId9"/>
-    <p:sldId id="263" r:id="rId10"/>
+    <p:sldId id="266" r:id="rId6"/>
+    <p:sldId id="260" r:id="rId7"/>
+    <p:sldId id="261" r:id="rId8"/>
+    <p:sldId id="264" r:id="rId9"/>
+    <p:sldId id="265" r:id="rId10"/>
+    <p:sldId id="263" r:id="rId11"/>
   </p:sldIdLst>
   <p:sldSz cx="9144000" cy="6858000" type="screen4x3"/>
   <p:notesSz cx="6858000" cy="9144000"/>
@@ -186,7 +187,7 @@
           <a:blip r:embed="rId3" cstate="print">
             <a:extLst>
               <a:ext uri="{28A0092B-C50C-407E-A947-70E740481C1C}">
-                <a14:useLocalDpi xmlns:a14="http://schemas.microsoft.com/office/drawing/2010/main" xmlns="" val="0"/>
+                <a14:useLocalDpi xmlns="" xmlns:a14="http://schemas.microsoft.com/office/drawing/2010/main" val="0"/>
               </a:ext>
             </a:extLst>
           </a:blip>
@@ -209,14 +210,14 @@
           </a:ln>
           <a:extLst>
             <a:ext uri="{909E8E84-426E-40DD-AFC4-6F175D3DCCD1}">
-              <a14:hiddenFill xmlns:a14="http://schemas.microsoft.com/office/drawing/2010/main" xmlns="">
+              <a14:hiddenFill xmlns="" xmlns:a14="http://schemas.microsoft.com/office/drawing/2010/main">
                 <a:solidFill>
                   <a:srgbClr val="FFFFFF"/>
                 </a:solidFill>
               </a14:hiddenFill>
             </a:ext>
             <a:ext uri="{91240B29-F687-4F45-9708-019B960494DF}">
-              <a14:hiddenLine xmlns:a14="http://schemas.microsoft.com/office/drawing/2010/main" xmlns="" w="9525">
+              <a14:hiddenLine xmlns="" xmlns:a14="http://schemas.microsoft.com/office/drawing/2010/main" w="9525">
                 <a:solidFill>
                   <a:srgbClr val="000000"/>
                 </a:solidFill>
@@ -386,7 +387,7 @@
     </p:spTree>
     <p:extLst>
       <p:ext uri="{BB962C8B-B14F-4D97-AF65-F5344CB8AC3E}">
-        <p14:creationId xmlns:p14="http://schemas.microsoft.com/office/powerpoint/2010/main" xmlns="" val="3658434428"/>
+        <p14:creationId xmlns="" xmlns:p14="http://schemas.microsoft.com/office/powerpoint/2010/main" val="3658434428"/>
       </p:ext>
     </p:extLst>
   </p:cSld>
@@ -582,7 +583,7 @@
     </p:spTree>
     <p:extLst>
       <p:ext uri="{BB962C8B-B14F-4D97-AF65-F5344CB8AC3E}">
-        <p14:creationId xmlns:p14="http://schemas.microsoft.com/office/powerpoint/2010/main" xmlns="" val="1965100956"/>
+        <p14:creationId xmlns="" xmlns:p14="http://schemas.microsoft.com/office/powerpoint/2010/main" val="1965100956"/>
       </p:ext>
     </p:extLst>
   </p:cSld>
@@ -788,7 +789,7 @@
     </p:spTree>
     <p:extLst>
       <p:ext uri="{BB962C8B-B14F-4D97-AF65-F5344CB8AC3E}">
-        <p14:creationId xmlns:p14="http://schemas.microsoft.com/office/powerpoint/2010/main" xmlns="" val="2156661626"/>
+        <p14:creationId xmlns="" xmlns:p14="http://schemas.microsoft.com/office/powerpoint/2010/main" val="2156661626"/>
       </p:ext>
     </p:extLst>
   </p:cSld>
@@ -984,7 +985,7 @@
     </p:spTree>
     <p:extLst>
       <p:ext uri="{BB962C8B-B14F-4D97-AF65-F5344CB8AC3E}">
-        <p14:creationId xmlns:p14="http://schemas.microsoft.com/office/powerpoint/2010/main" xmlns="" val="1752287775"/>
+        <p14:creationId xmlns="" xmlns:p14="http://schemas.microsoft.com/office/powerpoint/2010/main" val="1752287775"/>
       </p:ext>
     </p:extLst>
   </p:cSld>
@@ -1202,7 +1203,7 @@
     </p:spTree>
     <p:extLst>
       <p:ext uri="{BB962C8B-B14F-4D97-AF65-F5344CB8AC3E}">
-        <p14:creationId xmlns:p14="http://schemas.microsoft.com/office/powerpoint/2010/main" xmlns="" val="2765894582"/>
+        <p14:creationId xmlns="" xmlns:p14="http://schemas.microsoft.com/office/powerpoint/2010/main" val="2765894582"/>
       </p:ext>
     </p:extLst>
   </p:cSld>
@@ -1516,7 +1517,7 @@
     </p:spTree>
     <p:extLst>
       <p:ext uri="{BB962C8B-B14F-4D97-AF65-F5344CB8AC3E}">
-        <p14:creationId xmlns:p14="http://schemas.microsoft.com/office/powerpoint/2010/main" xmlns="" val="3224146055"/>
+        <p14:creationId xmlns="" xmlns:p14="http://schemas.microsoft.com/office/powerpoint/2010/main" val="3224146055"/>
       </p:ext>
     </p:extLst>
   </p:cSld>
@@ -1969,7 +1970,7 @@
     </p:spTree>
     <p:extLst>
       <p:ext uri="{BB962C8B-B14F-4D97-AF65-F5344CB8AC3E}">
-        <p14:creationId xmlns:p14="http://schemas.microsoft.com/office/powerpoint/2010/main" xmlns="" val="437448780"/>
+        <p14:creationId xmlns="" xmlns:p14="http://schemas.microsoft.com/office/powerpoint/2010/main" val="437448780"/>
       </p:ext>
     </p:extLst>
   </p:cSld>
@@ -2113,7 +2114,7 @@
     </p:spTree>
     <p:extLst>
       <p:ext uri="{BB962C8B-B14F-4D97-AF65-F5344CB8AC3E}">
-        <p14:creationId xmlns:p14="http://schemas.microsoft.com/office/powerpoint/2010/main" xmlns="" val="2082849327"/>
+        <p14:creationId xmlns="" xmlns:p14="http://schemas.microsoft.com/office/powerpoint/2010/main" val="2082849327"/>
       </p:ext>
     </p:extLst>
   </p:cSld>
@@ -2234,7 +2235,7 @@
     </p:spTree>
     <p:extLst>
       <p:ext uri="{BB962C8B-B14F-4D97-AF65-F5344CB8AC3E}">
-        <p14:creationId xmlns:p14="http://schemas.microsoft.com/office/powerpoint/2010/main" xmlns="" val="1091966577"/>
+        <p14:creationId xmlns="" xmlns:p14="http://schemas.microsoft.com/office/powerpoint/2010/main" val="1091966577"/>
       </p:ext>
     </p:extLst>
   </p:cSld>
@@ -2537,7 +2538,7 @@
     </p:spTree>
     <p:extLst>
       <p:ext uri="{BB962C8B-B14F-4D97-AF65-F5344CB8AC3E}">
-        <p14:creationId xmlns:p14="http://schemas.microsoft.com/office/powerpoint/2010/main" xmlns="" val="3990685255"/>
+        <p14:creationId xmlns="" xmlns:p14="http://schemas.microsoft.com/office/powerpoint/2010/main" val="3990685255"/>
       </p:ext>
     </p:extLst>
   </p:cSld>
@@ -2820,7 +2821,7 @@
     </p:spTree>
     <p:extLst>
       <p:ext uri="{BB962C8B-B14F-4D97-AF65-F5344CB8AC3E}">
-        <p14:creationId xmlns:p14="http://schemas.microsoft.com/office/powerpoint/2010/main" xmlns="" val="2313012541"/>
+        <p14:creationId xmlns="" xmlns:p14="http://schemas.microsoft.com/office/powerpoint/2010/main" val="2313012541"/>
       </p:ext>
     </p:extLst>
   </p:cSld>
@@ -2883,14 +2884,14 @@
           </a:ln>
           <a:extLst>
             <a:ext uri="{909E8E84-426E-40DD-AFC4-6F175D3DCCD1}">
-              <a14:hiddenFill xmlns:a14="http://schemas.microsoft.com/office/drawing/2010/main" xmlns="">
+              <a14:hiddenFill xmlns="" xmlns:a14="http://schemas.microsoft.com/office/drawing/2010/main">
                 <a:solidFill>
                   <a:srgbClr val="FFFFFF"/>
                 </a:solidFill>
               </a14:hiddenFill>
             </a:ext>
             <a:ext uri="{91240B29-F687-4F45-9708-019B960494DF}">
-              <a14:hiddenLine xmlns:a14="http://schemas.microsoft.com/office/drawing/2010/main" xmlns="" w="9525">
+              <a14:hiddenLine xmlns="" xmlns:a14="http://schemas.microsoft.com/office/drawing/2010/main" w="9525">
                 <a:solidFill>
                   <a:srgbClr val="000000"/>
                 </a:solidFill>
@@ -2941,14 +2942,14 @@
           </a:ln>
           <a:extLst>
             <a:ext uri="{909E8E84-426E-40DD-AFC4-6F175D3DCCD1}">
-              <a14:hiddenFill xmlns:a14="http://schemas.microsoft.com/office/drawing/2010/main" xmlns="">
+              <a14:hiddenFill xmlns="" xmlns:a14="http://schemas.microsoft.com/office/drawing/2010/main">
                 <a:solidFill>
                   <a:srgbClr val="FFFFFF"/>
                 </a:solidFill>
               </a14:hiddenFill>
             </a:ext>
             <a:ext uri="{91240B29-F687-4F45-9708-019B960494DF}">
-              <a14:hiddenLine xmlns:a14="http://schemas.microsoft.com/office/drawing/2010/main" xmlns="" w="9525">
+              <a14:hiddenLine xmlns="" xmlns:a14="http://schemas.microsoft.com/office/drawing/2010/main" w="9525">
                 <a:solidFill>
                   <a:srgbClr val="000000"/>
                 </a:solidFill>
@@ -3170,7 +3171,7 @@
             <a:lum bright="100000"/>
             <a:extLst>
               <a:ext uri="{28A0092B-C50C-407E-A947-70E740481C1C}">
-                <a14:useLocalDpi xmlns:a14="http://schemas.microsoft.com/office/drawing/2010/main" xmlns="" val="0"/>
+                <a14:useLocalDpi xmlns="" xmlns:a14="http://schemas.microsoft.com/office/drawing/2010/main" val="0"/>
               </a:ext>
             </a:extLst>
           </a:blip>
@@ -3193,14 +3194,14 @@
           </a:ln>
           <a:extLst>
             <a:ext uri="{909E8E84-426E-40DD-AFC4-6F175D3DCCD1}">
-              <a14:hiddenFill xmlns:a14="http://schemas.microsoft.com/office/drawing/2010/main" xmlns="">
+              <a14:hiddenFill xmlns="" xmlns:a14="http://schemas.microsoft.com/office/drawing/2010/main">
                 <a:solidFill>
                   <a:srgbClr val="FFFFFF"/>
                 </a:solidFill>
               </a14:hiddenFill>
             </a:ext>
             <a:ext uri="{91240B29-F687-4F45-9708-019B960494DF}">
-              <a14:hiddenLine xmlns:a14="http://schemas.microsoft.com/office/drawing/2010/main" xmlns="" w="9525">
+              <a14:hiddenLine xmlns="" xmlns:a14="http://schemas.microsoft.com/office/drawing/2010/main" w="9525">
                 <a:solidFill>
                   <a:srgbClr val="000000"/>
                 </a:solidFill>
@@ -3754,7 +3755,7 @@
     <a:masterClrMapping/>
   </p:clrMapOvr>
   <mc:AlternateContent xmlns:mc="http://schemas.openxmlformats.org/markup-compatibility/2006">
-    <mc:Choice xmlns:p14="http://schemas.microsoft.com/office/powerpoint/2010/main" xmlns="" Requires="p14">
+    <mc:Choice xmlns="" xmlns:p14="http://schemas.microsoft.com/office/powerpoint/2010/main" Requires="p14">
       <p:transition spd="med" p14:dur="700">
         <p:fade/>
       </p:transition>
@@ -3775,6 +3776,153 @@
 </p:sld>
 </file>
 
+<file path=ppt/slides/slide10.xml><?xml version="1.0" encoding="utf-8"?>
+<p:sld xmlns:a="http://schemas.openxmlformats.org/drawingml/2006/main" xmlns:r="http://schemas.openxmlformats.org/officeDocument/2006/relationships" xmlns:p="http://schemas.openxmlformats.org/presentationml/2006/main">
+  <p:cSld>
+    <p:spTree>
+      <p:nvGrpSpPr>
+        <p:cNvPr id="1" name=""/>
+        <p:cNvGrpSpPr/>
+        <p:nvPr/>
+      </p:nvGrpSpPr>
+      <p:grpSpPr>
+        <a:xfrm>
+          <a:off x="0" y="0"/>
+          <a:ext cx="0" cy="0"/>
+          <a:chOff x="0" y="0"/>
+          <a:chExt cx="0" cy="0"/>
+        </a:xfrm>
+      </p:grpSpPr>
+      <p:sp>
+        <p:nvSpPr>
+          <p:cNvPr id="2" name="제목 1"/>
+          <p:cNvSpPr>
+            <a:spLocks noGrp="1"/>
+          </p:cNvSpPr>
+          <p:nvPr>
+            <p:ph type="title"/>
+          </p:nvPr>
+        </p:nvSpPr>
+        <p:spPr/>
+        <p:txBody>
+          <a:bodyPr/>
+          <a:lstStyle/>
+          <a:p>
+            <a:r>
+              <a:rPr lang="ko-KR" altLang="en-US" dirty="0" smtClean="0"/>
+              <a:t>앞으로 </a:t>
+            </a:r>
+            <a:r>
+              <a:rPr lang="ko-KR" altLang="en-US" dirty="0" smtClean="0"/>
+              <a:t>해야 할 </a:t>
+            </a:r>
+            <a:r>
+              <a:rPr lang="ko-KR" altLang="en-US" dirty="0" smtClean="0"/>
+              <a:t>것</a:t>
+            </a:r>
+            <a:endParaRPr lang="ko-KR" altLang="en-US" dirty="0"/>
+          </a:p>
+        </p:txBody>
+      </p:sp>
+      <p:sp>
+        <p:nvSpPr>
+          <p:cNvPr id="3" name="내용 개체 틀 2"/>
+          <p:cNvSpPr>
+            <a:spLocks noGrp="1"/>
+          </p:cNvSpPr>
+          <p:nvPr>
+            <p:ph idx="1"/>
+          </p:nvPr>
+        </p:nvSpPr>
+        <p:spPr/>
+        <p:txBody>
+          <a:bodyPr/>
+          <a:lstStyle/>
+          <a:p>
+            <a:r>
+              <a:rPr lang="ko-KR" altLang="en-US" dirty="0" smtClean="0">
+                <a:solidFill>
+                  <a:schemeClr val="bg1"/>
+                </a:solidFill>
+              </a:rPr>
+              <a:t>서비스로 </a:t>
+            </a:r>
+            <a:r>
+              <a:rPr lang="ko-KR" altLang="en-US" dirty="0" err="1" smtClean="0">
+                <a:solidFill>
+                  <a:schemeClr val="bg1"/>
+                </a:solidFill>
+              </a:rPr>
+              <a:t>앱</a:t>
+            </a:r>
+            <a:r>
+              <a:rPr lang="ko-KR" altLang="en-US" dirty="0" smtClean="0">
+                <a:solidFill>
+                  <a:schemeClr val="bg1"/>
+                </a:solidFill>
+              </a:rPr>
+              <a:t> 제한</a:t>
+            </a:r>
+            <a:endParaRPr lang="en-US" altLang="ko-KR" dirty="0" smtClean="0">
+              <a:solidFill>
+                <a:schemeClr val="bg1"/>
+              </a:solidFill>
+            </a:endParaRPr>
+          </a:p>
+          <a:p>
+            <a:endParaRPr lang="en-US" altLang="ko-KR" dirty="0" smtClean="0">
+              <a:solidFill>
+                <a:schemeClr val="bg1"/>
+              </a:solidFill>
+            </a:endParaRPr>
+          </a:p>
+          <a:p>
+            <a:r>
+              <a:rPr lang="ko-KR" altLang="en-US" dirty="0" smtClean="0">
+                <a:solidFill>
+                  <a:schemeClr val="bg1"/>
+                </a:solidFill>
+              </a:rPr>
+              <a:t>사진 자동 촬영</a:t>
+            </a:r>
+            <a:endParaRPr lang="en-US" altLang="ko-KR" dirty="0" smtClean="0">
+              <a:solidFill>
+                <a:schemeClr val="bg1"/>
+              </a:solidFill>
+            </a:endParaRPr>
+          </a:p>
+          <a:p>
+            <a:endParaRPr lang="en-US" altLang="ko-KR" dirty="0" smtClean="0">
+              <a:solidFill>
+                <a:schemeClr val="bg1"/>
+              </a:solidFill>
+            </a:endParaRPr>
+          </a:p>
+          <a:p>
+            <a:r>
+              <a:rPr lang="ko-KR" altLang="en-US" dirty="0" smtClean="0">
+                <a:solidFill>
+                  <a:schemeClr val="bg1"/>
+                </a:solidFill>
+              </a:rPr>
+              <a:t>서버에 올리기</a:t>
+            </a:r>
+            <a:endParaRPr lang="ko-KR" altLang="en-US" dirty="0">
+              <a:solidFill>
+                <a:schemeClr val="bg1"/>
+              </a:solidFill>
+            </a:endParaRPr>
+          </a:p>
+        </p:txBody>
+      </p:sp>
+    </p:spTree>
+  </p:cSld>
+  <p:clrMapOvr>
+    <a:masterClrMapping/>
+  </p:clrMapOvr>
+</p:sld>
+</file>
+
 <file path=ppt/slides/slide2.xml><?xml version="1.0" encoding="utf-8"?>
 <p:sld xmlns:a="http://schemas.openxmlformats.org/drawingml/2006/main" xmlns:r="http://schemas.openxmlformats.org/officeDocument/2006/relationships" xmlns:p="http://schemas.openxmlformats.org/presentationml/2006/main">
   <p:cSld>
@@ -3830,7 +3978,116 @@
           <a:bodyPr/>
           <a:lstStyle/>
           <a:p>
-            <a:endParaRPr lang="ko-KR" altLang="en-US"/>
+            <a:r>
+              <a:rPr lang="ko-KR" altLang="en-US" dirty="0" smtClean="0">
+                <a:solidFill>
+                  <a:schemeClr val="bg1"/>
+                </a:solidFill>
+              </a:rPr>
+              <a:t>목표</a:t>
+            </a:r>
+            <a:endParaRPr lang="en-US" altLang="ko-KR" dirty="0" smtClean="0">
+              <a:solidFill>
+                <a:schemeClr val="bg1"/>
+              </a:solidFill>
+            </a:endParaRPr>
+          </a:p>
+          <a:p>
+            <a:endParaRPr lang="en-US" altLang="ko-KR" dirty="0" smtClean="0">
+              <a:solidFill>
+                <a:schemeClr val="bg1"/>
+              </a:solidFill>
+            </a:endParaRPr>
+          </a:p>
+          <a:p>
+            <a:r>
+              <a:rPr lang="ko-KR" altLang="en-US" dirty="0" smtClean="0">
+                <a:solidFill>
+                  <a:schemeClr val="bg1"/>
+                </a:solidFill>
+              </a:rPr>
+              <a:t>진행 </a:t>
+            </a:r>
+            <a:r>
+              <a:rPr lang="ko-KR" altLang="en-US" dirty="0" smtClean="0">
+                <a:solidFill>
+                  <a:schemeClr val="bg1"/>
+                </a:solidFill>
+              </a:rPr>
+              <a:t>정도</a:t>
+            </a:r>
+            <a:endParaRPr lang="en-US" altLang="ko-KR" dirty="0" smtClean="0">
+              <a:solidFill>
+                <a:schemeClr val="bg1"/>
+              </a:solidFill>
+            </a:endParaRPr>
+          </a:p>
+          <a:p>
+            <a:endParaRPr lang="en-US" altLang="ko-KR" dirty="0" smtClean="0">
+              <a:solidFill>
+                <a:schemeClr val="bg1"/>
+              </a:solidFill>
+            </a:endParaRPr>
+          </a:p>
+          <a:p>
+            <a:r>
+              <a:rPr lang="ko-KR" altLang="en-US" dirty="0" smtClean="0">
+                <a:solidFill>
+                  <a:schemeClr val="bg1"/>
+                </a:solidFill>
+              </a:rPr>
+              <a:t>해</a:t>
+            </a:r>
+            <a:r>
+              <a:rPr lang="ko-KR" altLang="en-US" dirty="0" smtClean="0">
+                <a:solidFill>
+                  <a:schemeClr val="bg1"/>
+                </a:solidFill>
+              </a:rPr>
+              <a:t>결</a:t>
+            </a:r>
+            <a:r>
+              <a:rPr lang="ko-KR" altLang="en-US" dirty="0" smtClean="0">
+                <a:solidFill>
+                  <a:schemeClr val="bg1"/>
+                </a:solidFill>
+              </a:rPr>
+              <a:t>한 문제</a:t>
+            </a:r>
+            <a:endParaRPr lang="en-US" altLang="ko-KR" dirty="0" smtClean="0">
+              <a:solidFill>
+                <a:schemeClr val="bg1"/>
+              </a:solidFill>
+            </a:endParaRPr>
+          </a:p>
+          <a:p>
+            <a:endParaRPr lang="en-US" altLang="ko-KR" dirty="0" smtClean="0">
+              <a:solidFill>
+                <a:schemeClr val="bg1"/>
+              </a:solidFill>
+            </a:endParaRPr>
+          </a:p>
+          <a:p>
+            <a:r>
+              <a:rPr lang="ko-KR" altLang="en-US" dirty="0" smtClean="0">
+                <a:solidFill>
+                  <a:schemeClr val="bg1"/>
+                </a:solidFill>
+              </a:rPr>
+              <a:t>해결 중인 문제</a:t>
+            </a:r>
+            <a:endParaRPr lang="en-US" altLang="ko-KR" dirty="0" smtClean="0">
+              <a:solidFill>
+                <a:schemeClr val="bg1"/>
+              </a:solidFill>
+            </a:endParaRPr>
+          </a:p>
+          <a:p>
+            <a:endParaRPr lang="ko-KR" altLang="en-US" dirty="0">
+              <a:solidFill>
+                <a:schemeClr val="bg1"/>
+              </a:solidFill>
+            </a:endParaRPr>
           </a:p>
         </p:txBody>
       </p:sp>
@@ -3875,35 +4132,75 @@
           <a:lstStyle/>
           <a:p>
             <a:r>
-              <a:rPr lang="en-US" altLang="ko-KR" dirty="0" smtClean="0"/>
+              <a:rPr lang="ko-KR" altLang="en-US" dirty="0" smtClean="0"/>
+              <a:t>목</a:t>
+            </a:r>
+            <a:r>
+              <a:rPr lang="ko-KR" altLang="en-US" dirty="0" smtClean="0"/>
+              <a:t>표</a:t>
+            </a:r>
+            <a:endParaRPr lang="ko-KR" altLang="en-US" dirty="0"/>
+          </a:p>
+        </p:txBody>
+      </p:sp>
+      <p:sp>
+        <p:nvSpPr>
+          <p:cNvPr id="3" name="내용 개체 틀 2"/>
+          <p:cNvSpPr>
+            <a:spLocks noGrp="1"/>
+          </p:cNvSpPr>
+          <p:nvPr>
+            <p:ph idx="1"/>
+          </p:nvPr>
+        </p:nvSpPr>
+        <p:spPr/>
+        <p:txBody>
+          <a:bodyPr/>
+          <a:lstStyle/>
+          <a:p>
+            <a:pPr>
+              <a:buNone/>
+            </a:pPr>
+            <a:r>
+              <a:rPr lang="en-US" altLang="ko-KR" b="1" dirty="0" smtClean="0">
+                <a:solidFill>
+                  <a:schemeClr val="bg1"/>
+                </a:solidFill>
+              </a:rPr>
               <a:t>SNS </a:t>
             </a:r>
             <a:r>
-              <a:rPr lang="ko-KR" altLang="en-US" dirty="0" smtClean="0"/>
+              <a:rPr lang="ko-KR" altLang="en-US" b="1" dirty="0" smtClean="0">
+                <a:solidFill>
+                  <a:schemeClr val="bg1"/>
+                </a:solidFill>
+              </a:rPr>
               <a:t>사용 제한 </a:t>
             </a:r>
             <a:r>
-              <a:rPr lang="ko-KR" altLang="en-US" dirty="0" err="1" smtClean="0"/>
+              <a:rPr lang="ko-KR" altLang="en-US" b="1" dirty="0" err="1" smtClean="0">
+                <a:solidFill>
+                  <a:schemeClr val="bg1"/>
+                </a:solidFill>
+              </a:rPr>
               <a:t>어플</a:t>
             </a:r>
-            <a:endParaRPr lang="ko-KR" altLang="en-US" dirty="0"/>
-          </a:p>
-        </p:txBody>
-      </p:sp>
-      <p:sp>
-        <p:nvSpPr>
-          <p:cNvPr id="3" name="내용 개체 틀 2"/>
-          <p:cNvSpPr>
-            <a:spLocks noGrp="1"/>
-          </p:cNvSpPr>
-          <p:nvPr>
-            <p:ph idx="1"/>
-          </p:nvPr>
-        </p:nvSpPr>
-        <p:spPr/>
-        <p:txBody>
-          <a:bodyPr/>
-          <a:lstStyle/>
+            <a:endParaRPr lang="en-US" altLang="ko-KR" b="1" dirty="0" smtClean="0">
+              <a:solidFill>
+                <a:schemeClr val="bg1"/>
+              </a:solidFill>
+            </a:endParaRPr>
+          </a:p>
+          <a:p>
+            <a:pPr>
+              <a:buNone/>
+            </a:pPr>
+            <a:endParaRPr lang="en-US" altLang="ko-KR" dirty="0" smtClean="0">
+              <a:solidFill>
+                <a:schemeClr val="bg1"/>
+              </a:solidFill>
+            </a:endParaRPr>
+          </a:p>
           <a:p>
             <a:r>
               <a:rPr lang="en-US" altLang="ko-KR" dirty="0" smtClean="0">
@@ -4037,104 +4334,114 @@
           </a:p>
         </p:txBody>
       </p:sp>
-      <p:sp>
-        <p:nvSpPr>
-          <p:cNvPr id="3" name="내용 개체 틀 2"/>
-          <p:cNvSpPr>
-            <a:spLocks noGrp="1"/>
-          </p:cNvSpPr>
-          <p:nvPr>
-            <p:ph idx="1"/>
-          </p:nvPr>
-        </p:nvSpPr>
-        <p:spPr/>
-        <p:txBody>
-          <a:bodyPr/>
-          <a:lstStyle/>
-          <a:p>
-            <a:r>
-              <a:rPr lang="ko-KR" altLang="en-US" dirty="0" err="1" smtClean="0">
-                <a:solidFill>
-                  <a:schemeClr val="bg1"/>
-                </a:solidFill>
-              </a:rPr>
-              <a:t>앱</a:t>
-            </a:r>
-            <a:r>
-              <a:rPr lang="ko-KR" altLang="en-US" dirty="0" smtClean="0">
-                <a:solidFill>
-                  <a:schemeClr val="bg1"/>
-                </a:solidFill>
-              </a:rPr>
-              <a:t> </a:t>
-            </a:r>
-            <a:r>
-              <a:rPr lang="ko-KR" altLang="en-US" dirty="0" err="1" smtClean="0">
-                <a:solidFill>
-                  <a:schemeClr val="bg1"/>
-                </a:solidFill>
-              </a:rPr>
-              <a:t>스샷</a:t>
-            </a:r>
-            <a:endParaRPr lang="en-US" altLang="ko-KR" dirty="0" smtClean="0">
-              <a:solidFill>
-                <a:schemeClr val="bg1"/>
-              </a:solidFill>
-            </a:endParaRPr>
-          </a:p>
-          <a:p>
-            <a:r>
-              <a:rPr lang="ko-KR" altLang="en-US" dirty="0" smtClean="0">
-                <a:solidFill>
-                  <a:schemeClr val="bg1"/>
-                </a:solidFill>
-              </a:rPr>
-              <a:t>어떤 기능을 사용했는지 </a:t>
-            </a:r>
-            <a:r>
-              <a:rPr lang="ko-KR" altLang="en-US" dirty="0" err="1" smtClean="0">
-                <a:solidFill>
-                  <a:schemeClr val="bg1"/>
-                </a:solidFill>
-              </a:rPr>
-              <a:t>스샷</a:t>
-            </a:r>
-            <a:endParaRPr lang="en-US" altLang="ko-KR" dirty="0" smtClean="0">
-              <a:solidFill>
-                <a:schemeClr val="bg1"/>
-              </a:solidFill>
-            </a:endParaRPr>
-          </a:p>
-          <a:p>
-            <a:r>
-              <a:rPr lang="ko-KR" altLang="en-US" dirty="0" smtClean="0">
-                <a:solidFill>
-                  <a:schemeClr val="bg1"/>
-                </a:solidFill>
-              </a:rPr>
-              <a:t>로그 </a:t>
-            </a:r>
-            <a:r>
-              <a:rPr lang="ko-KR" altLang="en-US" dirty="0" err="1" smtClean="0">
-                <a:solidFill>
-                  <a:schemeClr val="bg1"/>
-                </a:solidFill>
-              </a:rPr>
-              <a:t>스샷</a:t>
-            </a:r>
-            <a:endParaRPr lang="ko-KR" altLang="en-US" dirty="0">
-              <a:solidFill>
-                <a:schemeClr val="bg1"/>
-              </a:solidFill>
-            </a:endParaRPr>
-          </a:p>
-        </p:txBody>
-      </p:sp>
+      <p:pic>
+        <p:nvPicPr>
+          <p:cNvPr id="4098" name="Picture 2"/>
+          <p:cNvPicPr>
+            <a:picLocks noChangeAspect="1" noChangeArrowheads="1"/>
+          </p:cNvPicPr>
+          <p:nvPr/>
+        </p:nvPicPr>
+        <p:blipFill>
+          <a:blip r:embed="rId2" cstate="print"/>
+          <a:srcRect/>
+          <a:stretch>
+            <a:fillRect/>
+          </a:stretch>
+        </p:blipFill>
+        <p:spPr bwMode="auto">
+          <a:xfrm>
+            <a:off x="1043608" y="1124744"/>
+            <a:ext cx="2924175" cy="5229225"/>
+          </a:xfrm>
+          <a:prstGeom prst="rect">
+            <a:avLst/>
+          </a:prstGeom>
+          <a:noFill/>
+          <a:ln w="9525">
+            <a:noFill/>
+            <a:miter lim="800000"/>
+            <a:headEnd/>
+            <a:tailEnd/>
+          </a:ln>
+        </p:spPr>
+      </p:pic>
+      <p:pic>
+        <p:nvPicPr>
+          <p:cNvPr id="4099" name="Picture 3"/>
+          <p:cNvPicPr>
+            <a:picLocks noChangeAspect="1" noChangeArrowheads="1"/>
+          </p:cNvPicPr>
+          <p:nvPr/>
+        </p:nvPicPr>
+        <p:blipFill>
+          <a:blip r:embed="rId3" cstate="print"/>
+          <a:srcRect/>
+          <a:stretch>
+            <a:fillRect/>
+          </a:stretch>
+        </p:blipFill>
+        <p:spPr bwMode="auto">
+          <a:xfrm>
+            <a:off x="5076056" y="1124744"/>
+            <a:ext cx="2905125" cy="5191125"/>
+          </a:xfrm>
+          <a:prstGeom prst="rect">
+            <a:avLst/>
+          </a:prstGeom>
+          <a:noFill/>
+          <a:ln w="9525">
+            <a:noFill/>
+            <a:miter lim="800000"/>
+            <a:headEnd/>
+            <a:tailEnd/>
+          </a:ln>
+        </p:spPr>
+      </p:pic>
+      <p:pic>
+        <p:nvPicPr>
+          <p:cNvPr id="4101" name="Picture 5"/>
+          <p:cNvPicPr>
+            <a:picLocks noChangeAspect="1" noChangeArrowheads="1"/>
+          </p:cNvPicPr>
+          <p:nvPr/>
+        </p:nvPicPr>
+        <p:blipFill>
+          <a:blip r:embed="rId4" cstate="print"/>
+          <a:srcRect/>
+          <a:stretch>
+            <a:fillRect/>
+          </a:stretch>
+        </p:blipFill>
+        <p:spPr bwMode="auto">
+          <a:xfrm>
+            <a:off x="1043608" y="1124744"/>
+            <a:ext cx="2914650" cy="5210175"/>
+          </a:xfrm>
+          <a:prstGeom prst="rect">
+            <a:avLst/>
+          </a:prstGeom>
+          <a:noFill/>
+          <a:ln w="9525">
+            <a:noFill/>
+            <a:miter lim="800000"/>
+            <a:headEnd/>
+            <a:tailEnd/>
+          </a:ln>
+        </p:spPr>
+      </p:pic>
     </p:spTree>
   </p:cSld>
   <p:clrMapOvr>
     <a:masterClrMapping/>
   </p:clrMapOvr>
+  <p:timing>
+    <p:tnLst>
+      <p:par>
+        <p:cTn id="1" dur="indefinite" restart="never" nodeType="tmRoot"/>
+      </p:par>
+    </p:tnLst>
+  </p:timing>
 </p:sld>
 </file>
 
@@ -4172,89 +4479,88 @@
           <a:p>
             <a:r>
               <a:rPr lang="ko-KR" altLang="en-US" dirty="0" smtClean="0"/>
-              <a:t>발생한 문제</a:t>
+              <a:t>진행 정도</a:t>
             </a:r>
             <a:endParaRPr lang="ko-KR" altLang="en-US" dirty="0"/>
           </a:p>
         </p:txBody>
       </p:sp>
-      <p:sp>
-        <p:nvSpPr>
-          <p:cNvPr id="3" name="내용 개체 틀 2"/>
-          <p:cNvSpPr>
-            <a:spLocks noGrp="1"/>
-          </p:cNvSpPr>
-          <p:nvPr>
-            <p:ph idx="1"/>
-          </p:nvPr>
-        </p:nvSpPr>
-        <p:spPr/>
-        <p:txBody>
-          <a:bodyPr/>
-          <a:lstStyle/>
-          <a:p>
-            <a:r>
-              <a:rPr lang="en-US" altLang="ko-KR" dirty="0" smtClean="0">
-                <a:solidFill>
-                  <a:schemeClr val="bg1"/>
-                </a:solidFill>
-              </a:rPr>
-              <a:t>GET_TASK</a:t>
-            </a:r>
-          </a:p>
-          <a:p>
-            <a:r>
-              <a:rPr lang="ko-KR" altLang="en-US" dirty="0" smtClean="0">
-                <a:solidFill>
-                  <a:schemeClr val="bg1"/>
-                </a:solidFill>
-              </a:rPr>
-              <a:t>서비스 에러</a:t>
-            </a:r>
-            <a:endParaRPr lang="en-US" altLang="ko-KR" dirty="0" smtClean="0">
-              <a:solidFill>
-                <a:schemeClr val="bg1"/>
-              </a:solidFill>
-            </a:endParaRPr>
-          </a:p>
-          <a:p>
-            <a:r>
-              <a:rPr lang="ko-KR" altLang="en-US" dirty="0" smtClean="0">
-                <a:solidFill>
-                  <a:schemeClr val="bg1"/>
-                </a:solidFill>
-              </a:rPr>
-              <a:t>리스트 </a:t>
-            </a:r>
-            <a:r>
-              <a:rPr lang="ko-KR" altLang="en-US" dirty="0" err="1" smtClean="0">
-                <a:solidFill>
-                  <a:schemeClr val="bg1"/>
-                </a:solidFill>
-              </a:rPr>
-              <a:t>뷰</a:t>
-            </a:r>
-            <a:r>
-              <a:rPr lang="ko-KR" altLang="en-US" dirty="0" smtClean="0">
-                <a:solidFill>
-                  <a:schemeClr val="bg1"/>
-                </a:solidFill>
-              </a:rPr>
-              <a:t> 에러</a:t>
-            </a:r>
-            <a:endParaRPr lang="en-US" altLang="ko-KR" dirty="0" smtClean="0">
-              <a:solidFill>
-                <a:schemeClr val="bg1"/>
-              </a:solidFill>
-            </a:endParaRPr>
-          </a:p>
-        </p:txBody>
-      </p:sp>
+      <p:pic>
+        <p:nvPicPr>
+          <p:cNvPr id="6146" name="Picture 2"/>
+          <p:cNvPicPr>
+            <a:picLocks noChangeAspect="1" noChangeArrowheads="1"/>
+          </p:cNvPicPr>
+          <p:nvPr/>
+        </p:nvPicPr>
+        <p:blipFill>
+          <a:blip r:embed="rId2" cstate="print"/>
+          <a:srcRect/>
+          <a:stretch>
+            <a:fillRect/>
+          </a:stretch>
+        </p:blipFill>
+        <p:spPr bwMode="auto">
+          <a:xfrm>
+            <a:off x="1187624" y="908720"/>
+            <a:ext cx="2943225" cy="5219700"/>
+          </a:xfrm>
+          <a:prstGeom prst="rect">
+            <a:avLst/>
+          </a:prstGeom>
+          <a:noFill/>
+          <a:ln w="9525">
+            <a:noFill/>
+            <a:miter lim="800000"/>
+            <a:headEnd/>
+            <a:tailEnd/>
+          </a:ln>
+        </p:spPr>
+      </p:pic>
+      <p:pic>
+        <p:nvPicPr>
+          <p:cNvPr id="6147" name="Picture 3"/>
+          <p:cNvPicPr>
+            <a:picLocks noChangeAspect="1" noChangeArrowheads="1"/>
+          </p:cNvPicPr>
+          <p:nvPr/>
+        </p:nvPicPr>
+        <p:blipFill>
+          <a:blip r:embed="rId3" cstate="print"/>
+          <a:srcRect/>
+          <a:stretch>
+            <a:fillRect/>
+          </a:stretch>
+        </p:blipFill>
+        <p:spPr bwMode="auto">
+          <a:xfrm>
+            <a:off x="5076056" y="908720"/>
+            <a:ext cx="2914650" cy="5248275"/>
+          </a:xfrm>
+          <a:prstGeom prst="rect">
+            <a:avLst/>
+          </a:prstGeom>
+          <a:noFill/>
+          <a:ln w="9525">
+            <a:noFill/>
+            <a:miter lim="800000"/>
+            <a:headEnd/>
+            <a:tailEnd/>
+          </a:ln>
+        </p:spPr>
+      </p:pic>
     </p:spTree>
   </p:cSld>
   <p:clrMapOvr>
     <a:masterClrMapping/>
   </p:clrMapOvr>
+  <p:timing>
+    <p:tnLst>
+      <p:par>
+        <p:cTn id="1" dur="indefinite" restart="never" nodeType="tmRoot"/>
+      </p:par>
+    </p:tnLst>
+  </p:timing>
 </p:sld>
 </file>
 
@@ -4291,16 +4597,8 @@
           <a:lstStyle/>
           <a:p>
             <a:r>
-              <a:rPr lang="en-US" altLang="ko-KR" dirty="0" smtClean="0"/>
-              <a:t>GET_TASK </a:t>
-            </a:r>
-            <a:r>
               <a:rPr lang="ko-KR" altLang="en-US" dirty="0" smtClean="0"/>
-              <a:t>해</a:t>
-            </a:r>
-            <a:r>
-              <a:rPr lang="ko-KR" altLang="en-US" dirty="0" smtClean="0"/>
-              <a:t>결</a:t>
+              <a:t>발생한 문제</a:t>
             </a:r>
             <a:endParaRPr lang="ko-KR" altLang="en-US" dirty="0"/>
           </a:p>
@@ -4321,7 +4619,100 @@
           <a:bodyPr/>
           <a:lstStyle/>
           <a:p>
-            <a:endParaRPr lang="ko-KR" altLang="en-US" dirty="0"/>
+            <a:r>
+              <a:rPr lang="en-US" altLang="ko-KR" dirty="0" smtClean="0">
+                <a:solidFill>
+                  <a:schemeClr val="bg1"/>
+                </a:solidFill>
+              </a:rPr>
+              <a:t>GET_TASK</a:t>
+            </a:r>
+          </a:p>
+          <a:p>
+            <a:pPr>
+              <a:buNone/>
+            </a:pPr>
+            <a:endParaRPr lang="en-US" altLang="ko-KR" dirty="0" smtClean="0">
+              <a:solidFill>
+                <a:schemeClr val="bg1"/>
+              </a:solidFill>
+            </a:endParaRPr>
+          </a:p>
+          <a:p>
+            <a:r>
+              <a:rPr lang="ko-KR" altLang="en-US" dirty="0" smtClean="0">
+                <a:solidFill>
+                  <a:schemeClr val="bg1"/>
+                </a:solidFill>
+              </a:rPr>
+              <a:t>서비스 </a:t>
+            </a:r>
+            <a:r>
+              <a:rPr lang="ko-KR" altLang="en-US" dirty="0" smtClean="0">
+                <a:solidFill>
+                  <a:schemeClr val="bg1"/>
+                </a:solidFill>
+              </a:rPr>
+              <a:t>에러</a:t>
+            </a:r>
+            <a:endParaRPr lang="en-US" altLang="ko-KR" dirty="0" smtClean="0">
+              <a:solidFill>
+                <a:schemeClr val="bg1"/>
+              </a:solidFill>
+            </a:endParaRPr>
+          </a:p>
+          <a:p>
+            <a:endParaRPr lang="en-US" altLang="ko-KR" dirty="0" smtClean="0">
+              <a:solidFill>
+                <a:schemeClr val="bg1"/>
+              </a:solidFill>
+            </a:endParaRPr>
+          </a:p>
+          <a:p>
+            <a:r>
+              <a:rPr lang="ko-KR" altLang="en-US" dirty="0" smtClean="0">
+                <a:solidFill>
+                  <a:schemeClr val="bg1"/>
+                </a:solidFill>
+              </a:rPr>
+              <a:t>리스트 </a:t>
+            </a:r>
+            <a:r>
+              <a:rPr lang="ko-KR" altLang="en-US" dirty="0" err="1" smtClean="0">
+                <a:solidFill>
+                  <a:schemeClr val="bg1"/>
+                </a:solidFill>
+              </a:rPr>
+              <a:t>뷰</a:t>
+            </a:r>
+            <a:r>
+              <a:rPr lang="ko-KR" altLang="en-US" dirty="0" smtClean="0">
+                <a:solidFill>
+                  <a:schemeClr val="bg1"/>
+                </a:solidFill>
+              </a:rPr>
+              <a:t> </a:t>
+            </a:r>
+            <a:r>
+              <a:rPr lang="ko-KR" altLang="en-US" dirty="0" smtClean="0">
+                <a:solidFill>
+                  <a:schemeClr val="bg1"/>
+                </a:solidFill>
+              </a:rPr>
+              <a:t>에러</a:t>
+            </a:r>
+            <a:endParaRPr lang="en-US" altLang="ko-KR" dirty="0" smtClean="0">
+              <a:solidFill>
+                <a:schemeClr val="bg1"/>
+              </a:solidFill>
+            </a:endParaRPr>
+          </a:p>
+          <a:p>
+            <a:endParaRPr lang="en-US" altLang="ko-KR" dirty="0" smtClean="0">
+              <a:solidFill>
+                <a:schemeClr val="bg1"/>
+              </a:solidFill>
+            </a:endParaRPr>
           </a:p>
         </p:txBody>
       </p:sp>
@@ -4366,8 +4757,12 @@
           <a:lstStyle/>
           <a:p>
             <a:r>
+              <a:rPr lang="en-US" altLang="ko-KR" dirty="0" smtClean="0"/>
+              <a:t>GET_TASK </a:t>
+            </a:r>
+            <a:r>
               <a:rPr lang="ko-KR" altLang="en-US" dirty="0" smtClean="0"/>
-              <a:t>서비스 에러 해결</a:t>
+              <a:t>해결</a:t>
             </a:r>
             <a:endParaRPr lang="ko-KR" altLang="en-US" dirty="0"/>
           </a:p>
@@ -4388,10 +4783,84 @@
           <a:bodyPr/>
           <a:lstStyle/>
           <a:p>
-            <a:endParaRPr lang="ko-KR" altLang="en-US"/>
-          </a:p>
-        </p:txBody>
-      </p:sp>
+            <a:r>
+              <a:rPr lang="en-US" altLang="ko-KR" dirty="0" err="1" smtClean="0">
+                <a:solidFill>
+                  <a:schemeClr val="bg1"/>
+                </a:solidFill>
+              </a:rPr>
+              <a:t>UsageStatsManager</a:t>
+            </a:r>
+            <a:r>
+              <a:rPr lang="en-US" altLang="ko-KR" dirty="0" smtClean="0">
+                <a:solidFill>
+                  <a:schemeClr val="bg1"/>
+                </a:solidFill>
+              </a:rPr>
+              <a:t> </a:t>
+            </a:r>
+            <a:r>
+              <a:rPr lang="ko-KR" altLang="en-US" dirty="0" smtClean="0">
+                <a:solidFill>
+                  <a:schemeClr val="bg1"/>
+                </a:solidFill>
+              </a:rPr>
+              <a:t>사용</a:t>
+            </a:r>
+            <a:endParaRPr lang="en-US" altLang="ko-KR" dirty="0" smtClean="0">
+              <a:solidFill>
+                <a:schemeClr val="bg1"/>
+              </a:solidFill>
+            </a:endParaRPr>
+          </a:p>
+          <a:p>
+            <a:endParaRPr lang="en-US" altLang="ko-KR" dirty="0" smtClean="0">
+              <a:solidFill>
+                <a:schemeClr val="bg1"/>
+              </a:solidFill>
+            </a:endParaRPr>
+          </a:p>
+          <a:p>
+            <a:endParaRPr lang="ko-KR" altLang="en-US" dirty="0">
+              <a:solidFill>
+                <a:schemeClr val="bg1"/>
+              </a:solidFill>
+            </a:endParaRPr>
+          </a:p>
+        </p:txBody>
+      </p:sp>
+      <p:pic>
+        <p:nvPicPr>
+          <p:cNvPr id="1027" name="Picture 3"/>
+          <p:cNvPicPr>
+            <a:picLocks noChangeAspect="1" noChangeArrowheads="1"/>
+          </p:cNvPicPr>
+          <p:nvPr/>
+        </p:nvPicPr>
+        <p:blipFill>
+          <a:blip r:embed="rId2" cstate="print"/>
+          <a:srcRect/>
+          <a:stretch>
+            <a:fillRect/>
+          </a:stretch>
+        </p:blipFill>
+        <p:spPr bwMode="auto">
+          <a:xfrm>
+            <a:off x="899592" y="2348880"/>
+            <a:ext cx="7128792" cy="4033200"/>
+          </a:xfrm>
+          <a:prstGeom prst="rect">
+            <a:avLst/>
+          </a:prstGeom>
+          <a:noFill/>
+          <a:ln w="9525">
+            <a:noFill/>
+            <a:miter lim="800000"/>
+            <a:headEnd/>
+            <a:tailEnd/>
+          </a:ln>
+        </p:spPr>
+      </p:pic>
     </p:spTree>
   </p:cSld>
   <p:clrMapOvr>
@@ -4434,15 +4903,7 @@
           <a:p>
             <a:r>
               <a:rPr lang="ko-KR" altLang="en-US" dirty="0" smtClean="0"/>
-              <a:t>리스트 </a:t>
-            </a:r>
-            <a:r>
-              <a:rPr lang="ko-KR" altLang="en-US" dirty="0" err="1" smtClean="0"/>
-              <a:t>뷰</a:t>
-            </a:r>
-            <a:r>
-              <a:rPr lang="ko-KR" altLang="en-US" dirty="0" smtClean="0"/>
-              <a:t> 에러 해결</a:t>
+              <a:t>서비스 에러 해결</a:t>
             </a:r>
             <a:endParaRPr lang="ko-KR" altLang="en-US" dirty="0"/>
           </a:p>
@@ -4463,10 +4924,85 @@
           <a:bodyPr/>
           <a:lstStyle/>
           <a:p>
-            <a:endParaRPr lang="ko-KR" altLang="en-US"/>
-          </a:p>
-        </p:txBody>
-      </p:sp>
+            <a:r>
+              <a:rPr lang="en-US" altLang="ko-KR" dirty="0" err="1" smtClean="0">
+                <a:solidFill>
+                  <a:schemeClr val="bg1"/>
+                </a:solidFill>
+              </a:rPr>
+              <a:t>getRunningService</a:t>
+            </a:r>
+            <a:r>
+              <a:rPr lang="en-US" altLang="ko-KR" dirty="0" smtClean="0">
+                <a:solidFill>
+                  <a:schemeClr val="bg1"/>
+                </a:solidFill>
+              </a:rPr>
+              <a:t> </a:t>
+            </a:r>
+            <a:r>
+              <a:rPr lang="ko-KR" altLang="en-US" dirty="0" smtClean="0">
+                <a:solidFill>
+                  <a:schemeClr val="bg1"/>
+                </a:solidFill>
+              </a:rPr>
+              <a:t>사</a:t>
+            </a:r>
+            <a:r>
+              <a:rPr lang="ko-KR" altLang="en-US" dirty="0" smtClean="0">
+                <a:solidFill>
+                  <a:schemeClr val="bg1"/>
+                </a:solidFill>
+              </a:rPr>
+              <a:t>용</a:t>
+            </a:r>
+            <a:endParaRPr lang="en-US" altLang="ko-KR" dirty="0" smtClean="0">
+              <a:solidFill>
+                <a:schemeClr val="bg1"/>
+              </a:solidFill>
+            </a:endParaRPr>
+          </a:p>
+          <a:p>
+            <a:endParaRPr lang="en-US" altLang="ko-KR" dirty="0" smtClean="0">
+              <a:solidFill>
+                <a:schemeClr val="bg1"/>
+              </a:solidFill>
+            </a:endParaRPr>
+          </a:p>
+        </p:txBody>
+      </p:sp>
+      <p:pic>
+        <p:nvPicPr>
+          <p:cNvPr id="2051" name="Picture 3"/>
+          <p:cNvPicPr>
+            <a:picLocks noChangeAspect="1" noChangeArrowheads="1"/>
+          </p:cNvPicPr>
+          <p:nvPr/>
+        </p:nvPicPr>
+        <p:blipFill>
+          <a:blip r:embed="rId2" cstate="print"/>
+          <a:srcRect/>
+          <a:stretch>
+            <a:fillRect/>
+          </a:stretch>
+        </p:blipFill>
+        <p:spPr bwMode="auto">
+          <a:xfrm>
+            <a:off x="323528" y="2708920"/>
+            <a:ext cx="8542535" cy="1506445"/>
+          </a:xfrm>
+          <a:prstGeom prst="rect">
+            <a:avLst/>
+          </a:prstGeom>
+          <a:noFill/>
+          <a:ln w="9525">
+            <a:noFill/>
+            <a:miter lim="800000"/>
+            <a:headEnd/>
+            <a:tailEnd/>
+          </a:ln>
+        </p:spPr>
+      </p:pic>
     </p:spTree>
   </p:cSld>
   <p:clrMapOvr>
@@ -4509,15 +5045,31 @@
           <a:p>
             <a:r>
               <a:rPr lang="ko-KR" altLang="en-US" dirty="0" smtClean="0"/>
-              <a:t>앞으로 </a:t>
+              <a:t>리스트 </a:t>
             </a:r>
             <a:r>
               <a:rPr lang="ko-KR" altLang="en-US" dirty="0" err="1" smtClean="0"/>
-              <a:t>해야할</a:t>
+              <a:t>뷰</a:t>
             </a:r>
             <a:r>
               <a:rPr lang="ko-KR" altLang="en-US" dirty="0" smtClean="0"/>
-              <a:t> 것</a:t>
+              <a:t> 에러 </a:t>
+            </a:r>
+            <a:r>
+              <a:rPr lang="ko-KR" altLang="en-US" dirty="0" smtClean="0"/>
+              <a:t>해결 </a:t>
+            </a:r>
+            <a:r>
+              <a:rPr lang="en-US" altLang="ko-KR" dirty="0" smtClean="0"/>
+              <a:t>(</a:t>
+            </a:r>
+            <a:r>
+              <a:rPr lang="ko-KR" altLang="en-US" dirty="0" smtClean="0"/>
+              <a:t>임시</a:t>
+            </a:r>
+            <a:r>
+              <a:rPr lang="en-US" altLang="ko-KR" dirty="0" smtClean="0"/>
+              <a:t>)</a:t>
             </a:r>
             <a:endParaRPr lang="ko-KR" altLang="en-US" dirty="0"/>
           </a:p>
@@ -4539,81 +5091,101 @@
           <a:lstStyle/>
           <a:p>
             <a:r>
-              <a:rPr lang="ko-KR" altLang="en-US" dirty="0" smtClean="0">
+              <a:rPr lang="en-US" altLang="ko-KR" dirty="0" err="1" smtClean="0">
                 <a:solidFill>
                   <a:schemeClr val="bg1"/>
                 </a:solidFill>
               </a:rPr>
-              <a:t>서비스로 </a:t>
-            </a:r>
-            <a:r>
-              <a:rPr lang="ko-KR" altLang="en-US" dirty="0" err="1" smtClean="0">
+              <a:t>setSelection</a:t>
+            </a:r>
+            <a:r>
+              <a:rPr lang="en-US" altLang="ko-KR" dirty="0" smtClean="0">
                 <a:solidFill>
                   <a:schemeClr val="bg1"/>
                 </a:solidFill>
               </a:rPr>
-              <a:t>앱</a:t>
-            </a:r>
-            <a:r>
-              <a:rPr lang="ko-KR" altLang="en-US" dirty="0" smtClean="0">
+              <a:t>, </a:t>
+            </a:r>
+            <a:r>
+              <a:rPr lang="en-US" altLang="ko-KR" dirty="0" err="1" smtClean="0">
                 <a:solidFill>
                   <a:schemeClr val="bg1"/>
                 </a:solidFill>
               </a:rPr>
-              <a:t> 제한</a:t>
-            </a:r>
-            <a:endParaRPr lang="en-US" altLang="ko-KR" dirty="0" smtClean="0">
+              <a:t>smoothScrollToPosition</a:t>
+            </a:r>
+            <a:endParaRPr lang="ko-KR" altLang="en-US" dirty="0">
               <a:solidFill>
                 <a:schemeClr val="bg1"/>
               </a:solidFill>
             </a:endParaRPr>
           </a:p>
-          <a:p>
-            <a:endParaRPr lang="en-US" altLang="ko-KR" dirty="0" smtClean="0">
-              <a:solidFill>
-                <a:schemeClr val="bg1"/>
-              </a:solidFill>
-            </a:endParaRPr>
-          </a:p>
-          <a:p>
-            <a:r>
-              <a:rPr lang="ko-KR" altLang="en-US" dirty="0" smtClean="0">
-                <a:solidFill>
-                  <a:schemeClr val="bg1"/>
-                </a:solidFill>
-              </a:rPr>
-              <a:t>사진 자동 촬영</a:t>
-            </a:r>
-            <a:endParaRPr lang="en-US" altLang="ko-KR" dirty="0" smtClean="0">
-              <a:solidFill>
-                <a:schemeClr val="bg1"/>
-              </a:solidFill>
-            </a:endParaRPr>
-          </a:p>
-          <a:p>
-            <a:endParaRPr lang="en-US" altLang="ko-KR" dirty="0" smtClean="0">
-              <a:solidFill>
-                <a:schemeClr val="bg1"/>
-              </a:solidFill>
-            </a:endParaRPr>
-          </a:p>
-          <a:p>
-            <a:r>
-              <a:rPr lang="ko-KR" altLang="en-US" smtClean="0">
-                <a:solidFill>
-                  <a:schemeClr val="bg1"/>
-                </a:solidFill>
-              </a:rPr>
-              <a:t>서버에 올리기</a:t>
-            </a:r>
-            <a:endParaRPr lang="ko-KR" altLang="en-US">
-              <a:solidFill>
-                <a:schemeClr val="bg1"/>
-              </a:solidFill>
-            </a:endParaRPr>
-          </a:p>
-        </p:txBody>
-      </p:sp>
+        </p:txBody>
+      </p:sp>
+      <p:pic>
+        <p:nvPicPr>
+          <p:cNvPr id="3074" name="Picture 2"/>
+          <p:cNvPicPr>
+            <a:picLocks noChangeAspect="1" noChangeArrowheads="1"/>
+          </p:cNvPicPr>
+          <p:nvPr/>
+        </p:nvPicPr>
+        <p:blipFill>
+          <a:blip r:embed="rId2" cstate="print"/>
+          <a:srcRect/>
+          <a:stretch>
+            <a:fillRect/>
+          </a:stretch>
+        </p:blipFill>
+        <p:spPr bwMode="auto">
+          <a:xfrm>
+            <a:off x="52388" y="2443163"/>
+            <a:ext cx="9039225" cy="1971675"/>
+          </a:xfrm>
+          <a:prstGeom prst="rect">
+            <a:avLst/>
+          </a:prstGeom>
+          <a:noFill/>
+          <a:ln w="9525">
+            <a:noFill/>
+            <a:miter lim="800000"/>
+            <a:headEnd/>
+            <a:tailEnd/>
+          </a:ln>
+        </p:spPr>
+      </p:pic>
+      <p:pic>
+        <p:nvPicPr>
+          <p:cNvPr id="3075" name="Picture 3"/>
+          <p:cNvPicPr>
+            <a:picLocks noChangeAspect="1" noChangeArrowheads="1"/>
+          </p:cNvPicPr>
+          <p:nvPr/>
+        </p:nvPicPr>
+        <p:blipFill>
+          <a:blip r:embed="rId3" cstate="print"/>
+          <a:srcRect/>
+          <a:stretch>
+            <a:fillRect/>
+          </a:stretch>
+        </p:blipFill>
+        <p:spPr bwMode="auto">
+          <a:xfrm>
+            <a:off x="0" y="4509120"/>
+            <a:ext cx="9058275" cy="1724025"/>
+          </a:xfrm>
+          <a:prstGeom prst="rect">
+            <a:avLst/>
+          </a:prstGeom>
+          <a:noFill/>
+          <a:ln w="9525">
+            <a:noFill/>
+            <a:miter lim="800000"/>
+            <a:headEnd/>
+            <a:tailEnd/>
+          </a:ln>
+        </p:spPr>
+      </p:pic>
     </p:spTree>
   </p:cSld>
   <p:clrMapOvr>

--- a/모바일SW 중간발표.pptx
+++ b/모바일SW 중간발표.pptx
@@ -143,7 +143,27 @@
       </a:defRPr>
     </a:lvl9pPr>
   </p:defaultTextStyle>
+  <p:extLst>
+    <p:ext uri="{EFAFB233-063F-42B5-8137-9DF3F51BA10A}">
+      <p15:sldGuideLst xmlns:p15="http://schemas.microsoft.com/office/powerpoint/2012/main">
+        <p15:guide id="1" orient="horz" pos="2160">
+          <p15:clr>
+            <a:srgbClr val="A4A3A4"/>
+          </p15:clr>
+        </p15:guide>
+        <p15:guide id="2" pos="2880">
+          <p15:clr>
+            <a:srgbClr val="A4A3A4"/>
+          </p15:clr>
+        </p15:guide>
+      </p15:sldGuideLst>
+    </p:ext>
+  </p:extLst>
 </p:presentation>
+</file>
+
+<file path=ppt/revisionInfo.xml><?xml version="1.0" encoding="utf-8"?>
+<p1510:revInfo xmlns:a="http://schemas.openxmlformats.org/drawingml/2006/main" xmlns:r="http://schemas.openxmlformats.org/officeDocument/2006/relationships" xmlns:p1510="http://schemas.microsoft.com/office/powerpoint/2015/10/main"/>
 </file>
 
 <file path=ppt/slideLayouts/slideLayout1.xml><?xml version="1.0" encoding="utf-8"?>
@@ -187,7 +207,7 @@
           <a:blip r:embed="rId3" cstate="print">
             <a:extLst>
               <a:ext uri="{28A0092B-C50C-407E-A947-70E740481C1C}">
-                <a14:useLocalDpi xmlns="" xmlns:a14="http://schemas.microsoft.com/office/drawing/2010/main" val="0"/>
+                <a14:useLocalDpi xmlns:a14="http://schemas.microsoft.com/office/drawing/2010/main" val="0"/>
               </a:ext>
             </a:extLst>
           </a:blip>
@@ -210,14 +230,14 @@
           </a:ln>
           <a:extLst>
             <a:ext uri="{909E8E84-426E-40DD-AFC4-6F175D3DCCD1}">
-              <a14:hiddenFill xmlns="" xmlns:a14="http://schemas.microsoft.com/office/drawing/2010/main">
+              <a14:hiddenFill xmlns:a14="http://schemas.microsoft.com/office/drawing/2010/main">
                 <a:solidFill>
                   <a:srgbClr val="FFFFFF"/>
                 </a:solidFill>
               </a14:hiddenFill>
             </a:ext>
             <a:ext uri="{91240B29-F687-4F45-9708-019B960494DF}">
-              <a14:hiddenLine xmlns="" xmlns:a14="http://schemas.microsoft.com/office/drawing/2010/main" w="9525">
+              <a14:hiddenLine xmlns:a14="http://schemas.microsoft.com/office/drawing/2010/main" w="9525">
                 <a:solidFill>
                   <a:srgbClr val="000000"/>
                 </a:solidFill>
@@ -258,7 +278,7 @@
           </a:lstStyle>
           <a:p>
             <a:r>
-              <a:rPr lang="ko-KR" altLang="en-US" smtClean="0"/>
+              <a:rPr lang="ko-KR" altLang="en-US"/>
               <a:t>마스터 제목 스타일 편집</a:t>
             </a:r>
             <a:endParaRPr lang="ko-KR" altLang="en-US" dirty="0"/>
@@ -292,10 +312,9 @@
           </a:lstStyle>
           <a:p>
             <a:r>
-              <a:rPr lang="ko-KR" altLang="en-US" smtClean="0"/>
+              <a:rPr lang="ko-KR" altLang="en-US"/>
               <a:t>마스터 부제목 스타일 편집</a:t>
             </a:r>
-            <a:endParaRPr lang="ko-KR" altLang="en-US"/>
           </a:p>
         </p:txBody>
       </p:sp>
@@ -387,7 +406,7 @@
     </p:spTree>
     <p:extLst>
       <p:ext uri="{BB962C8B-B14F-4D97-AF65-F5344CB8AC3E}">
-        <p14:creationId xmlns="" xmlns:p14="http://schemas.microsoft.com/office/powerpoint/2010/main" val="3658434428"/>
+        <p14:creationId xmlns:p14="http://schemas.microsoft.com/office/powerpoint/2010/main" val="3658434428"/>
       </p:ext>
     </p:extLst>
   </p:cSld>
@@ -430,10 +449,9 @@
           <a:lstStyle/>
           <a:p>
             <a:r>
-              <a:rPr lang="ko-KR" altLang="en-US" smtClean="0"/>
+              <a:rPr lang="ko-KR" altLang="en-US"/>
               <a:t>마스터 제목 스타일 편집</a:t>
             </a:r>
-            <a:endParaRPr lang="ko-KR" altLang="en-US"/>
           </a:p>
         </p:txBody>
       </p:sp>
@@ -454,38 +472,37 @@
           <a:p>
             <a:pPr lvl="0"/>
             <a:r>
-              <a:rPr lang="ko-KR" altLang="en-US" smtClean="0"/>
+              <a:rPr lang="ko-KR" altLang="en-US"/>
               <a:t>마스터 텍스트 스타일을 편집합니다</a:t>
             </a:r>
           </a:p>
           <a:p>
             <a:pPr lvl="1"/>
             <a:r>
-              <a:rPr lang="ko-KR" altLang="en-US" smtClean="0"/>
+              <a:rPr lang="ko-KR" altLang="en-US"/>
               <a:t>둘째 수준</a:t>
             </a:r>
           </a:p>
           <a:p>
             <a:pPr lvl="2"/>
             <a:r>
-              <a:rPr lang="ko-KR" altLang="en-US" smtClean="0"/>
+              <a:rPr lang="ko-KR" altLang="en-US"/>
               <a:t>셋째 수준</a:t>
             </a:r>
           </a:p>
           <a:p>
             <a:pPr lvl="3"/>
             <a:r>
-              <a:rPr lang="ko-KR" altLang="en-US" smtClean="0"/>
+              <a:rPr lang="ko-KR" altLang="en-US"/>
               <a:t>넷째 수준</a:t>
             </a:r>
           </a:p>
           <a:p>
             <a:pPr lvl="4"/>
             <a:r>
-              <a:rPr lang="ko-KR" altLang="en-US" smtClean="0"/>
+              <a:rPr lang="ko-KR" altLang="en-US"/>
               <a:t>다섯째 수준</a:t>
             </a:r>
-            <a:endParaRPr lang="ko-KR" altLang="en-US"/>
           </a:p>
         </p:txBody>
       </p:sp>
@@ -583,7 +600,7 @@
     </p:spTree>
     <p:extLst>
       <p:ext uri="{BB962C8B-B14F-4D97-AF65-F5344CB8AC3E}">
-        <p14:creationId xmlns="" xmlns:p14="http://schemas.microsoft.com/office/powerpoint/2010/main" val="1965100956"/>
+        <p14:creationId xmlns:p14="http://schemas.microsoft.com/office/powerpoint/2010/main" val="1965100956"/>
       </p:ext>
     </p:extLst>
   </p:cSld>
@@ -631,10 +648,9 @@
           <a:lstStyle/>
           <a:p>
             <a:r>
-              <a:rPr lang="ko-KR" altLang="en-US" smtClean="0"/>
+              <a:rPr lang="ko-KR" altLang="en-US"/>
               <a:t>마스터 제목 스타일 편집</a:t>
             </a:r>
-            <a:endParaRPr lang="ko-KR" altLang="en-US"/>
           </a:p>
         </p:txBody>
       </p:sp>
@@ -660,38 +676,37 @@
           <a:p>
             <a:pPr lvl="0"/>
             <a:r>
-              <a:rPr lang="ko-KR" altLang="en-US" smtClean="0"/>
+              <a:rPr lang="ko-KR" altLang="en-US"/>
               <a:t>마스터 텍스트 스타일을 편집합니다</a:t>
             </a:r>
           </a:p>
           <a:p>
             <a:pPr lvl="1"/>
             <a:r>
-              <a:rPr lang="ko-KR" altLang="en-US" smtClean="0"/>
+              <a:rPr lang="ko-KR" altLang="en-US"/>
               <a:t>둘째 수준</a:t>
             </a:r>
           </a:p>
           <a:p>
             <a:pPr lvl="2"/>
             <a:r>
-              <a:rPr lang="ko-KR" altLang="en-US" smtClean="0"/>
+              <a:rPr lang="ko-KR" altLang="en-US"/>
               <a:t>셋째 수준</a:t>
             </a:r>
           </a:p>
           <a:p>
             <a:pPr lvl="3"/>
             <a:r>
-              <a:rPr lang="ko-KR" altLang="en-US" smtClean="0"/>
+              <a:rPr lang="ko-KR" altLang="en-US"/>
               <a:t>넷째 수준</a:t>
             </a:r>
           </a:p>
           <a:p>
             <a:pPr lvl="4"/>
             <a:r>
-              <a:rPr lang="ko-KR" altLang="en-US" smtClean="0"/>
+              <a:rPr lang="ko-KR" altLang="en-US"/>
               <a:t>다섯째 수준</a:t>
             </a:r>
-            <a:endParaRPr lang="ko-KR" altLang="en-US"/>
           </a:p>
         </p:txBody>
       </p:sp>
@@ -789,7 +804,7 @@
     </p:spTree>
     <p:extLst>
       <p:ext uri="{BB962C8B-B14F-4D97-AF65-F5344CB8AC3E}">
-        <p14:creationId xmlns="" xmlns:p14="http://schemas.microsoft.com/office/powerpoint/2010/main" val="2156661626"/>
+        <p14:creationId xmlns:p14="http://schemas.microsoft.com/office/powerpoint/2010/main" val="2156661626"/>
       </p:ext>
     </p:extLst>
   </p:cSld>
@@ -832,10 +847,9 @@
           <a:lstStyle/>
           <a:p>
             <a:r>
-              <a:rPr lang="ko-KR" altLang="en-US" smtClean="0"/>
+              <a:rPr lang="ko-KR" altLang="en-US"/>
               <a:t>마스터 제목 스타일 편집</a:t>
             </a:r>
-            <a:endParaRPr lang="ko-KR" altLang="en-US"/>
           </a:p>
         </p:txBody>
       </p:sp>
@@ -856,38 +870,37 @@
           <a:p>
             <a:pPr lvl="0"/>
             <a:r>
-              <a:rPr lang="ko-KR" altLang="en-US" smtClean="0"/>
+              <a:rPr lang="ko-KR" altLang="en-US"/>
               <a:t>마스터 텍스트 스타일을 편집합니다</a:t>
             </a:r>
           </a:p>
           <a:p>
             <a:pPr lvl="1"/>
             <a:r>
-              <a:rPr lang="ko-KR" altLang="en-US" smtClean="0"/>
+              <a:rPr lang="ko-KR" altLang="en-US"/>
               <a:t>둘째 수준</a:t>
             </a:r>
           </a:p>
           <a:p>
             <a:pPr lvl="2"/>
             <a:r>
-              <a:rPr lang="ko-KR" altLang="en-US" smtClean="0"/>
+              <a:rPr lang="ko-KR" altLang="en-US"/>
               <a:t>셋째 수준</a:t>
             </a:r>
           </a:p>
           <a:p>
             <a:pPr lvl="3"/>
             <a:r>
-              <a:rPr lang="ko-KR" altLang="en-US" smtClean="0"/>
+              <a:rPr lang="ko-KR" altLang="en-US"/>
               <a:t>넷째 수준</a:t>
             </a:r>
           </a:p>
           <a:p>
             <a:pPr lvl="4"/>
             <a:r>
-              <a:rPr lang="ko-KR" altLang="en-US" smtClean="0"/>
+              <a:rPr lang="ko-KR" altLang="en-US"/>
               <a:t>다섯째 수준</a:t>
             </a:r>
-            <a:endParaRPr lang="ko-KR" altLang="en-US"/>
           </a:p>
         </p:txBody>
       </p:sp>
@@ -985,7 +998,7 @@
     </p:spTree>
     <p:extLst>
       <p:ext uri="{BB962C8B-B14F-4D97-AF65-F5344CB8AC3E}">
-        <p14:creationId xmlns="" xmlns:p14="http://schemas.microsoft.com/office/powerpoint/2010/main" val="1752287775"/>
+        <p14:creationId xmlns:p14="http://schemas.microsoft.com/office/powerpoint/2010/main" val="1752287775"/>
       </p:ext>
     </p:extLst>
   </p:cSld>
@@ -1037,10 +1050,9 @@
           </a:lstStyle>
           <a:p>
             <a:r>
-              <a:rPr lang="ko-KR" altLang="en-US" smtClean="0"/>
+              <a:rPr lang="ko-KR" altLang="en-US"/>
               <a:t>마스터 제목 스타일 편집</a:t>
             </a:r>
-            <a:endParaRPr lang="ko-KR" altLang="en-US"/>
           </a:p>
         </p:txBody>
       </p:sp>
@@ -1103,7 +1115,7 @@
           <a:p>
             <a:pPr lvl="0"/>
             <a:r>
-              <a:rPr lang="ko-KR" altLang="en-US" smtClean="0"/>
+              <a:rPr lang="ko-KR" altLang="en-US"/>
               <a:t>마스터 텍스트 스타일을 편집합니다</a:t>
             </a:r>
           </a:p>
@@ -1203,7 +1215,7 @@
     </p:spTree>
     <p:extLst>
       <p:ext uri="{BB962C8B-B14F-4D97-AF65-F5344CB8AC3E}">
-        <p14:creationId xmlns="" xmlns:p14="http://schemas.microsoft.com/office/powerpoint/2010/main" val="2765894582"/>
+        <p14:creationId xmlns:p14="http://schemas.microsoft.com/office/powerpoint/2010/main" val="2765894582"/>
       </p:ext>
     </p:extLst>
   </p:cSld>
@@ -1246,10 +1258,9 @@
           <a:lstStyle/>
           <a:p>
             <a:r>
-              <a:rPr lang="ko-KR" altLang="en-US" smtClean="0"/>
+              <a:rPr lang="ko-KR" altLang="en-US"/>
               <a:t>마스터 제목 스타일 편집</a:t>
             </a:r>
-            <a:endParaRPr lang="ko-KR" altLang="en-US"/>
           </a:p>
         </p:txBody>
       </p:sp>
@@ -1303,38 +1314,37 @@
           <a:p>
             <a:pPr lvl="0"/>
             <a:r>
-              <a:rPr lang="ko-KR" altLang="en-US" smtClean="0"/>
+              <a:rPr lang="ko-KR" altLang="en-US"/>
               <a:t>마스터 텍스트 스타일을 편집합니다</a:t>
             </a:r>
           </a:p>
           <a:p>
             <a:pPr lvl="1"/>
             <a:r>
-              <a:rPr lang="ko-KR" altLang="en-US" smtClean="0"/>
+              <a:rPr lang="ko-KR" altLang="en-US"/>
               <a:t>둘째 수준</a:t>
             </a:r>
           </a:p>
           <a:p>
             <a:pPr lvl="2"/>
             <a:r>
-              <a:rPr lang="ko-KR" altLang="en-US" smtClean="0"/>
+              <a:rPr lang="ko-KR" altLang="en-US"/>
               <a:t>셋째 수준</a:t>
             </a:r>
           </a:p>
           <a:p>
             <a:pPr lvl="3"/>
             <a:r>
-              <a:rPr lang="ko-KR" altLang="en-US" smtClean="0"/>
+              <a:rPr lang="ko-KR" altLang="en-US"/>
               <a:t>넷째 수준</a:t>
             </a:r>
           </a:p>
           <a:p>
             <a:pPr lvl="4"/>
             <a:r>
-              <a:rPr lang="ko-KR" altLang="en-US" smtClean="0"/>
+              <a:rPr lang="ko-KR" altLang="en-US"/>
               <a:t>다섯째 수준</a:t>
             </a:r>
-            <a:endParaRPr lang="ko-KR" altLang="en-US"/>
           </a:p>
         </p:txBody>
       </p:sp>
@@ -1388,38 +1398,37 @@
           <a:p>
             <a:pPr lvl="0"/>
             <a:r>
-              <a:rPr lang="ko-KR" altLang="en-US" smtClean="0"/>
+              <a:rPr lang="ko-KR" altLang="en-US"/>
               <a:t>마스터 텍스트 스타일을 편집합니다</a:t>
             </a:r>
           </a:p>
           <a:p>
             <a:pPr lvl="1"/>
             <a:r>
-              <a:rPr lang="ko-KR" altLang="en-US" smtClean="0"/>
+              <a:rPr lang="ko-KR" altLang="en-US"/>
               <a:t>둘째 수준</a:t>
             </a:r>
           </a:p>
           <a:p>
             <a:pPr lvl="2"/>
             <a:r>
-              <a:rPr lang="ko-KR" altLang="en-US" smtClean="0"/>
+              <a:rPr lang="ko-KR" altLang="en-US"/>
               <a:t>셋째 수준</a:t>
             </a:r>
           </a:p>
           <a:p>
             <a:pPr lvl="3"/>
             <a:r>
-              <a:rPr lang="ko-KR" altLang="en-US" smtClean="0"/>
+              <a:rPr lang="ko-KR" altLang="en-US"/>
               <a:t>넷째 수준</a:t>
             </a:r>
           </a:p>
           <a:p>
             <a:pPr lvl="4"/>
             <a:r>
-              <a:rPr lang="ko-KR" altLang="en-US" smtClean="0"/>
+              <a:rPr lang="ko-KR" altLang="en-US"/>
               <a:t>다섯째 수준</a:t>
             </a:r>
-            <a:endParaRPr lang="ko-KR" altLang="en-US"/>
           </a:p>
         </p:txBody>
       </p:sp>
@@ -1517,7 +1526,7 @@
     </p:spTree>
     <p:extLst>
       <p:ext uri="{BB962C8B-B14F-4D97-AF65-F5344CB8AC3E}">
-        <p14:creationId xmlns="" xmlns:p14="http://schemas.microsoft.com/office/powerpoint/2010/main" val="3224146055"/>
+        <p14:creationId xmlns:p14="http://schemas.microsoft.com/office/powerpoint/2010/main" val="3224146055"/>
       </p:ext>
     </p:extLst>
   </p:cSld>
@@ -1569,10 +1578,9 @@
           </a:lstStyle>
           <a:p>
             <a:r>
-              <a:rPr lang="ko-KR" altLang="en-US" smtClean="0"/>
+              <a:rPr lang="ko-KR" altLang="en-US"/>
               <a:t>마스터 제목 스타일 편집</a:t>
             </a:r>
-            <a:endParaRPr lang="ko-KR" altLang="en-US"/>
           </a:p>
         </p:txBody>
       </p:sp>
@@ -1635,7 +1643,7 @@
           <a:p>
             <a:pPr lvl="0"/>
             <a:r>
-              <a:rPr lang="ko-KR" altLang="en-US" smtClean="0"/>
+              <a:rPr lang="ko-KR" altLang="en-US"/>
               <a:t>마스터 텍스트 스타일을 편집합니다</a:t>
             </a:r>
           </a:p>
@@ -1691,38 +1699,37 @@
           <a:p>
             <a:pPr lvl="0"/>
             <a:r>
-              <a:rPr lang="ko-KR" altLang="en-US" smtClean="0"/>
+              <a:rPr lang="ko-KR" altLang="en-US"/>
               <a:t>마스터 텍스트 스타일을 편집합니다</a:t>
             </a:r>
           </a:p>
           <a:p>
             <a:pPr lvl="1"/>
             <a:r>
-              <a:rPr lang="ko-KR" altLang="en-US" smtClean="0"/>
+              <a:rPr lang="ko-KR" altLang="en-US"/>
               <a:t>둘째 수준</a:t>
             </a:r>
           </a:p>
           <a:p>
             <a:pPr lvl="2"/>
             <a:r>
-              <a:rPr lang="ko-KR" altLang="en-US" smtClean="0"/>
+              <a:rPr lang="ko-KR" altLang="en-US"/>
               <a:t>셋째 수준</a:t>
             </a:r>
           </a:p>
           <a:p>
             <a:pPr lvl="3"/>
             <a:r>
-              <a:rPr lang="ko-KR" altLang="en-US" smtClean="0"/>
+              <a:rPr lang="ko-KR" altLang="en-US"/>
               <a:t>넷째 수준</a:t>
             </a:r>
           </a:p>
           <a:p>
             <a:pPr lvl="4"/>
             <a:r>
-              <a:rPr lang="ko-KR" altLang="en-US" smtClean="0"/>
+              <a:rPr lang="ko-KR" altLang="en-US"/>
               <a:t>다섯째 수준</a:t>
             </a:r>
-            <a:endParaRPr lang="ko-KR" altLang="en-US"/>
           </a:p>
         </p:txBody>
       </p:sp>
@@ -1785,7 +1792,7 @@
           <a:p>
             <a:pPr lvl="0"/>
             <a:r>
-              <a:rPr lang="ko-KR" altLang="en-US" smtClean="0"/>
+              <a:rPr lang="ko-KR" altLang="en-US"/>
               <a:t>마스터 텍스트 스타일을 편집합니다</a:t>
             </a:r>
           </a:p>
@@ -1841,38 +1848,37 @@
           <a:p>
             <a:pPr lvl="0"/>
             <a:r>
-              <a:rPr lang="ko-KR" altLang="en-US" smtClean="0"/>
+              <a:rPr lang="ko-KR" altLang="en-US"/>
               <a:t>마스터 텍스트 스타일을 편집합니다</a:t>
             </a:r>
           </a:p>
           <a:p>
             <a:pPr lvl="1"/>
             <a:r>
-              <a:rPr lang="ko-KR" altLang="en-US" smtClean="0"/>
+              <a:rPr lang="ko-KR" altLang="en-US"/>
               <a:t>둘째 수준</a:t>
             </a:r>
           </a:p>
           <a:p>
             <a:pPr lvl="2"/>
             <a:r>
-              <a:rPr lang="ko-KR" altLang="en-US" smtClean="0"/>
+              <a:rPr lang="ko-KR" altLang="en-US"/>
               <a:t>셋째 수준</a:t>
             </a:r>
           </a:p>
           <a:p>
             <a:pPr lvl="3"/>
             <a:r>
-              <a:rPr lang="ko-KR" altLang="en-US" smtClean="0"/>
+              <a:rPr lang="ko-KR" altLang="en-US"/>
               <a:t>넷째 수준</a:t>
             </a:r>
           </a:p>
           <a:p>
             <a:pPr lvl="4"/>
             <a:r>
-              <a:rPr lang="ko-KR" altLang="en-US" smtClean="0"/>
+              <a:rPr lang="ko-KR" altLang="en-US"/>
               <a:t>다섯째 수준</a:t>
             </a:r>
-            <a:endParaRPr lang="ko-KR" altLang="en-US"/>
           </a:p>
         </p:txBody>
       </p:sp>
@@ -1970,7 +1976,7 @@
     </p:spTree>
     <p:extLst>
       <p:ext uri="{BB962C8B-B14F-4D97-AF65-F5344CB8AC3E}">
-        <p14:creationId xmlns="" xmlns:p14="http://schemas.microsoft.com/office/powerpoint/2010/main" val="437448780"/>
+        <p14:creationId xmlns:p14="http://schemas.microsoft.com/office/powerpoint/2010/main" val="437448780"/>
       </p:ext>
     </p:extLst>
   </p:cSld>
@@ -2013,10 +2019,9 @@
           <a:lstStyle/>
           <a:p>
             <a:r>
-              <a:rPr lang="ko-KR" altLang="en-US" smtClean="0"/>
+              <a:rPr lang="ko-KR" altLang="en-US"/>
               <a:t>마스터 제목 스타일 편집</a:t>
             </a:r>
-            <a:endParaRPr lang="ko-KR" altLang="en-US"/>
           </a:p>
         </p:txBody>
       </p:sp>
@@ -2114,7 +2119,7 @@
     </p:spTree>
     <p:extLst>
       <p:ext uri="{BB962C8B-B14F-4D97-AF65-F5344CB8AC3E}">
-        <p14:creationId xmlns="" xmlns:p14="http://schemas.microsoft.com/office/powerpoint/2010/main" val="2082849327"/>
+        <p14:creationId xmlns:p14="http://schemas.microsoft.com/office/powerpoint/2010/main" val="2082849327"/>
       </p:ext>
     </p:extLst>
   </p:cSld>
@@ -2235,7 +2240,7 @@
     </p:spTree>
     <p:extLst>
       <p:ext uri="{BB962C8B-B14F-4D97-AF65-F5344CB8AC3E}">
-        <p14:creationId xmlns="" xmlns:p14="http://schemas.microsoft.com/office/powerpoint/2010/main" val="1091966577"/>
+        <p14:creationId xmlns:p14="http://schemas.microsoft.com/office/powerpoint/2010/main" val="1091966577"/>
       </p:ext>
     </p:extLst>
   </p:cSld>
@@ -2287,10 +2292,9 @@
           </a:lstStyle>
           <a:p>
             <a:r>
-              <a:rPr lang="ko-KR" altLang="en-US" smtClean="0"/>
+              <a:rPr lang="ko-KR" altLang="en-US"/>
               <a:t>마스터 제목 스타일 편집</a:t>
             </a:r>
-            <a:endParaRPr lang="ko-KR" altLang="en-US"/>
           </a:p>
         </p:txBody>
       </p:sp>
@@ -2344,38 +2348,37 @@
           <a:p>
             <a:pPr lvl="0"/>
             <a:r>
-              <a:rPr lang="ko-KR" altLang="en-US" smtClean="0"/>
+              <a:rPr lang="ko-KR" altLang="en-US"/>
               <a:t>마스터 텍스트 스타일을 편집합니다</a:t>
             </a:r>
           </a:p>
           <a:p>
             <a:pPr lvl="1"/>
             <a:r>
-              <a:rPr lang="ko-KR" altLang="en-US" smtClean="0"/>
+              <a:rPr lang="ko-KR" altLang="en-US"/>
               <a:t>둘째 수준</a:t>
             </a:r>
           </a:p>
           <a:p>
             <a:pPr lvl="2"/>
             <a:r>
-              <a:rPr lang="ko-KR" altLang="en-US" smtClean="0"/>
+              <a:rPr lang="ko-KR" altLang="en-US"/>
               <a:t>셋째 수준</a:t>
             </a:r>
           </a:p>
           <a:p>
             <a:pPr lvl="3"/>
             <a:r>
-              <a:rPr lang="ko-KR" altLang="en-US" smtClean="0"/>
+              <a:rPr lang="ko-KR" altLang="en-US"/>
               <a:t>넷째 수준</a:t>
             </a:r>
           </a:p>
           <a:p>
             <a:pPr lvl="4"/>
             <a:r>
-              <a:rPr lang="ko-KR" altLang="en-US" smtClean="0"/>
+              <a:rPr lang="ko-KR" altLang="en-US"/>
               <a:t>다섯째 수준</a:t>
             </a:r>
-            <a:endParaRPr lang="ko-KR" altLang="en-US"/>
           </a:p>
         </p:txBody>
       </p:sp>
@@ -2438,7 +2441,7 @@
           <a:p>
             <a:pPr lvl="0"/>
             <a:r>
-              <a:rPr lang="ko-KR" altLang="en-US" smtClean="0"/>
+              <a:rPr lang="ko-KR" altLang="en-US"/>
               <a:t>마스터 텍스트 스타일을 편집합니다</a:t>
             </a:r>
           </a:p>
@@ -2538,7 +2541,7 @@
     </p:spTree>
     <p:extLst>
       <p:ext uri="{BB962C8B-B14F-4D97-AF65-F5344CB8AC3E}">
-        <p14:creationId xmlns="" xmlns:p14="http://schemas.microsoft.com/office/powerpoint/2010/main" val="3990685255"/>
+        <p14:creationId xmlns:p14="http://schemas.microsoft.com/office/powerpoint/2010/main" val="3990685255"/>
       </p:ext>
     </p:extLst>
   </p:cSld>
@@ -2590,10 +2593,9 @@
           </a:lstStyle>
           <a:p>
             <a:r>
-              <a:rPr lang="ko-KR" altLang="en-US" smtClean="0"/>
+              <a:rPr lang="ko-KR" altLang="en-US"/>
               <a:t>마스터 제목 스타일 편집</a:t>
             </a:r>
-            <a:endParaRPr lang="ko-KR" altLang="en-US"/>
           </a:p>
         </p:txBody>
       </p:sp>
@@ -2656,7 +2658,7 @@
           <a:p>
             <a:pPr lvl="0"/>
             <a:r>
-              <a:rPr lang="ko-KR" altLang="en-US" noProof="0" smtClean="0"/>
+              <a:rPr lang="ko-KR" altLang="en-US" noProof="0"/>
               <a:t>그림을 추가하려면 아이콘을 클릭하십시오</a:t>
             </a:r>
           </a:p>
@@ -2721,7 +2723,7 @@
           <a:p>
             <a:pPr lvl="0"/>
             <a:r>
-              <a:rPr lang="ko-KR" altLang="en-US" smtClean="0"/>
+              <a:rPr lang="ko-KR" altLang="en-US"/>
               <a:t>마스터 텍스트 스타일을 편집합니다</a:t>
             </a:r>
           </a:p>
@@ -2821,7 +2823,7 @@
     </p:spTree>
     <p:extLst>
       <p:ext uri="{BB962C8B-B14F-4D97-AF65-F5344CB8AC3E}">
-        <p14:creationId xmlns="" xmlns:p14="http://schemas.microsoft.com/office/powerpoint/2010/main" val="2313012541"/>
+        <p14:creationId xmlns:p14="http://schemas.microsoft.com/office/powerpoint/2010/main" val="2313012541"/>
       </p:ext>
     </p:extLst>
   </p:cSld>
@@ -2884,14 +2886,14 @@
           </a:ln>
           <a:extLst>
             <a:ext uri="{909E8E84-426E-40DD-AFC4-6F175D3DCCD1}">
-              <a14:hiddenFill xmlns="" xmlns:a14="http://schemas.microsoft.com/office/drawing/2010/main">
+              <a14:hiddenFill xmlns:a14="http://schemas.microsoft.com/office/drawing/2010/main">
                 <a:solidFill>
                   <a:srgbClr val="FFFFFF"/>
                 </a:solidFill>
               </a14:hiddenFill>
             </a:ext>
             <a:ext uri="{91240B29-F687-4F45-9708-019B960494DF}">
-              <a14:hiddenLine xmlns="" xmlns:a14="http://schemas.microsoft.com/office/drawing/2010/main" w="9525">
+              <a14:hiddenLine xmlns:a14="http://schemas.microsoft.com/office/drawing/2010/main" w="9525">
                 <a:solidFill>
                   <a:srgbClr val="000000"/>
                 </a:solidFill>
@@ -2912,7 +2914,7 @@
           <a:p>
             <a:pPr lvl="0"/>
             <a:r>
-              <a:rPr lang="ko-KR" altLang="en-US" smtClean="0"/>
+              <a:rPr lang="ko-KR" altLang="en-US"/>
               <a:t>마스터 제목 스타일 편집</a:t>
             </a:r>
           </a:p>
@@ -2942,14 +2944,14 @@
           </a:ln>
           <a:extLst>
             <a:ext uri="{909E8E84-426E-40DD-AFC4-6F175D3DCCD1}">
-              <a14:hiddenFill xmlns="" xmlns:a14="http://schemas.microsoft.com/office/drawing/2010/main">
+              <a14:hiddenFill xmlns:a14="http://schemas.microsoft.com/office/drawing/2010/main">
                 <a:solidFill>
                   <a:srgbClr val="FFFFFF"/>
                 </a:solidFill>
               </a14:hiddenFill>
             </a:ext>
             <a:ext uri="{91240B29-F687-4F45-9708-019B960494DF}">
-              <a14:hiddenLine xmlns="" xmlns:a14="http://schemas.microsoft.com/office/drawing/2010/main" w="9525">
+              <a14:hiddenLine xmlns:a14="http://schemas.microsoft.com/office/drawing/2010/main" w="9525">
                 <a:solidFill>
                   <a:srgbClr val="000000"/>
                 </a:solidFill>
@@ -2970,35 +2972,35 @@
           <a:p>
             <a:pPr lvl="0"/>
             <a:r>
-              <a:rPr lang="ko-KR" altLang="en-US" smtClean="0"/>
+              <a:rPr lang="ko-KR" altLang="en-US"/>
               <a:t>마스터 텍스트 스타일을 편집합니다</a:t>
             </a:r>
           </a:p>
           <a:p>
             <a:pPr lvl="1"/>
             <a:r>
-              <a:rPr lang="ko-KR" altLang="en-US" smtClean="0"/>
+              <a:rPr lang="ko-KR" altLang="en-US"/>
               <a:t>둘째 수준</a:t>
             </a:r>
           </a:p>
           <a:p>
             <a:pPr lvl="2"/>
             <a:r>
-              <a:rPr lang="ko-KR" altLang="en-US" smtClean="0"/>
+              <a:rPr lang="ko-KR" altLang="en-US"/>
               <a:t>셋째 수준</a:t>
             </a:r>
           </a:p>
           <a:p>
             <a:pPr lvl="3"/>
             <a:r>
-              <a:rPr lang="ko-KR" altLang="en-US" smtClean="0"/>
+              <a:rPr lang="ko-KR" altLang="en-US"/>
               <a:t>넷째 수준</a:t>
             </a:r>
           </a:p>
           <a:p>
             <a:pPr lvl="4"/>
             <a:r>
-              <a:rPr lang="ko-KR" altLang="en-US" smtClean="0"/>
+              <a:rPr lang="ko-KR" altLang="en-US"/>
               <a:t>다섯째 수준</a:t>
             </a:r>
           </a:p>
@@ -3171,7 +3173,7 @@
             <a:lum bright="100000"/>
             <a:extLst>
               <a:ext uri="{28A0092B-C50C-407E-A947-70E740481C1C}">
-                <a14:useLocalDpi xmlns="" xmlns:a14="http://schemas.microsoft.com/office/drawing/2010/main" val="0"/>
+                <a14:useLocalDpi xmlns:a14="http://schemas.microsoft.com/office/drawing/2010/main" val="0"/>
               </a:ext>
             </a:extLst>
           </a:blip>
@@ -3194,14 +3196,14 @@
           </a:ln>
           <a:extLst>
             <a:ext uri="{909E8E84-426E-40DD-AFC4-6F175D3DCCD1}">
-              <a14:hiddenFill xmlns="" xmlns:a14="http://schemas.microsoft.com/office/drawing/2010/main">
+              <a14:hiddenFill xmlns:a14="http://schemas.microsoft.com/office/drawing/2010/main">
                 <a:solidFill>
                   <a:srgbClr val="FFFFFF"/>
                 </a:solidFill>
               </a14:hiddenFill>
             </a:ext>
             <a:ext uri="{91240B29-F687-4F45-9708-019B960494DF}">
-              <a14:hiddenLine xmlns="" xmlns:a14="http://schemas.microsoft.com/office/drawing/2010/main" w="9525">
+              <a14:hiddenLine xmlns:a14="http://schemas.microsoft.com/office/drawing/2010/main" w="9525">
                 <a:solidFill>
                   <a:srgbClr val="000000"/>
                 </a:solidFill>
@@ -3229,13 +3231,6 @@
     <p:sldLayoutId id="2147483681" r:id="rId10"/>
     <p:sldLayoutId id="2147483682" r:id="rId11"/>
   </p:sldLayoutIdLst>
-  <p:timing>
-    <p:tnLst>
-      <p:par>
-        <p:cTn id="1" dur="indefinite" restart="never" nodeType="tmRoot"/>
-      </p:par>
-    </p:tnLst>
-  </p:timing>
   <p:txStyles>
     <p:titleStyle>
       <a:lvl1pPr algn="l" rtl="0" fontAlgn="base" latinLnBrk="1">
@@ -3661,10 +3656,10 @@
           <a:p>
             <a:pPr algn="ctr"/>
             <a:r>
-              <a:rPr lang="ko-KR" altLang="en-US" sz="5200" dirty="0" smtClean="0"/>
+              <a:rPr lang="ko-KR" altLang="en-US" sz="5200" dirty="0"/>
               <a:t>프로젝트 중간발표</a:t>
             </a:r>
-            <a:endParaRPr lang="en-US" altLang="ko-KR" sz="5200" dirty="0" smtClean="0"/>
+            <a:endParaRPr lang="en-US" altLang="ko-KR" sz="5200" dirty="0"/>
           </a:p>
         </p:txBody>
       </p:sp>
@@ -3691,7 +3686,7 @@
           <a:lstStyle/>
           <a:p>
             <a:r>
-              <a:rPr lang="en-US" altLang="ko-KR" dirty="0" smtClean="0">
+              <a:rPr lang="en-US" altLang="ko-KR" dirty="0">
                 <a:solidFill>
                   <a:schemeClr val="bg1"/>
                 </a:solidFill>
@@ -3701,7 +3696,7 @@
               <a:t>2016125056  </a:t>
             </a:r>
             <a:r>
-              <a:rPr lang="ko-KR" altLang="en-US" dirty="0" smtClean="0">
+              <a:rPr lang="ko-KR" altLang="en-US" dirty="0">
                 <a:solidFill>
                   <a:schemeClr val="bg1"/>
                 </a:solidFill>
@@ -3710,7 +3705,7 @@
               </a:rPr>
               <a:t>이은현</a:t>
             </a:r>
-            <a:endParaRPr lang="en-US" altLang="ko-KR" dirty="0" smtClean="0">
+            <a:endParaRPr lang="en-US" altLang="ko-KR" dirty="0">
               <a:solidFill>
                 <a:schemeClr val="bg1"/>
               </a:solidFill>
@@ -3720,7 +3715,7 @@
           </a:p>
           <a:p>
             <a:r>
-              <a:rPr lang="en-US" altLang="ko-KR" dirty="0" smtClean="0">
+              <a:rPr lang="en-US" altLang="ko-KR" dirty="0">
                 <a:solidFill>
                   <a:schemeClr val="bg1"/>
                 </a:solidFill>
@@ -3730,7 +3725,7 @@
               <a:t>2016125063  </a:t>
             </a:r>
             <a:r>
-              <a:rPr lang="ko-KR" altLang="en-US" dirty="0" smtClean="0">
+              <a:rPr lang="ko-KR" altLang="en-US" dirty="0">
                 <a:solidFill>
                   <a:schemeClr val="bg1"/>
                 </a:solidFill>
@@ -3739,13 +3734,6 @@
               </a:rPr>
               <a:t>이찬효</a:t>
             </a:r>
-            <a:endParaRPr lang="ko-KR" altLang="en-US" dirty="0">
-              <a:solidFill>
-                <a:schemeClr val="bg1"/>
-              </a:solidFill>
-              <a:latin typeface="+mj-ea"/>
-              <a:ea typeface="+mj-ea"/>
-            </a:endParaRPr>
           </a:p>
         </p:txBody>
       </p:sp>
@@ -3754,25 +3742,18 @@
   <p:clrMapOvr>
     <a:masterClrMapping/>
   </p:clrMapOvr>
-  <mc:AlternateContent xmlns:mc="http://schemas.openxmlformats.org/markup-compatibility/2006">
-    <mc:Choice xmlns="" xmlns:p14="http://schemas.microsoft.com/office/powerpoint/2010/main" Requires="p14">
+  <mc:AlternateContent xmlns:mc="http://schemas.openxmlformats.org/markup-compatibility/2006" xmlns:p14="http://schemas.microsoft.com/office/powerpoint/2010/main">
+    <mc:Choice Requires="p14">
       <p:transition spd="med" p14:dur="700">
         <p:fade/>
       </p:transition>
     </mc:Choice>
-    <mc:Fallback>
+    <mc:Fallback xmlns="">
       <p:transition spd="med">
         <p:fade/>
       </p:transition>
     </mc:Fallback>
   </mc:AlternateContent>
-  <p:timing>
-    <p:tnLst>
-      <p:par>
-        <p:cTn id="1" dur="indefinite" restart="never" nodeType="tmRoot"/>
-      </p:par>
-    </p:tnLst>
-  </p:timing>
 </p:sld>
 </file>
 
@@ -3809,18 +3790,9 @@
           <a:lstStyle/>
           <a:p>
             <a:r>
-              <a:rPr lang="ko-KR" altLang="en-US" dirty="0" smtClean="0"/>
-              <a:t>앞으로 </a:t>
-            </a:r>
-            <a:r>
-              <a:rPr lang="ko-KR" altLang="en-US" dirty="0" smtClean="0"/>
-              <a:t>해야 할 </a:t>
-            </a:r>
-            <a:r>
-              <a:rPr lang="ko-KR" altLang="en-US" dirty="0" smtClean="0"/>
-              <a:t>것</a:t>
-            </a:r>
-            <a:endParaRPr lang="ko-KR" altLang="en-US" dirty="0"/>
+              <a:rPr lang="ko-KR" altLang="en-US" dirty="0"/>
+              <a:t>앞으로 해야 할 것</a:t>
+            </a:r>
           </a:p>
         </p:txBody>
       </p:sp>
@@ -3840,7 +3812,7 @@
           <a:lstStyle/>
           <a:p>
             <a:r>
-              <a:rPr lang="ko-KR" altLang="en-US" dirty="0" smtClean="0">
+              <a:rPr lang="ko-KR" altLang="en-US" dirty="0">
                 <a:solidFill>
                   <a:schemeClr val="bg1"/>
                 </a:solidFill>
@@ -3848,7 +3820,7 @@
               <a:t>서비스로 </a:t>
             </a:r>
             <a:r>
-              <a:rPr lang="ko-KR" altLang="en-US" dirty="0" err="1" smtClean="0">
+              <a:rPr lang="ko-KR" altLang="en-US" dirty="0" err="1">
                 <a:solidFill>
                   <a:schemeClr val="bg1"/>
                 </a:solidFill>
@@ -3856,21 +3828,21 @@
               <a:t>앱</a:t>
             </a:r>
             <a:r>
-              <a:rPr lang="ko-KR" altLang="en-US" dirty="0" smtClean="0">
+              <a:rPr lang="ko-KR" altLang="en-US" dirty="0">
                 <a:solidFill>
                   <a:schemeClr val="bg1"/>
                 </a:solidFill>
               </a:rPr>
               <a:t> 제한</a:t>
             </a:r>
-            <a:endParaRPr lang="en-US" altLang="ko-KR" dirty="0" smtClean="0">
+            <a:endParaRPr lang="en-US" altLang="ko-KR" dirty="0">
               <a:solidFill>
                 <a:schemeClr val="bg1"/>
               </a:solidFill>
             </a:endParaRPr>
           </a:p>
           <a:p>
-            <a:endParaRPr lang="en-US" altLang="ko-KR" dirty="0" smtClean="0">
+            <a:endParaRPr lang="en-US" altLang="ko-KR" dirty="0">
               <a:solidFill>
                 <a:schemeClr val="bg1"/>
               </a:solidFill>
@@ -3878,21 +3850,21 @@
           </a:p>
           <a:p>
             <a:r>
-              <a:rPr lang="ko-KR" altLang="en-US" dirty="0" smtClean="0">
+              <a:rPr lang="ko-KR" altLang="en-US" dirty="0">
                 <a:solidFill>
                   <a:schemeClr val="bg1"/>
                 </a:solidFill>
               </a:rPr>
               <a:t>사진 자동 촬영</a:t>
             </a:r>
-            <a:endParaRPr lang="en-US" altLang="ko-KR" dirty="0" smtClean="0">
+            <a:endParaRPr lang="en-US" altLang="ko-KR" dirty="0">
               <a:solidFill>
                 <a:schemeClr val="bg1"/>
               </a:solidFill>
             </a:endParaRPr>
           </a:p>
           <a:p>
-            <a:endParaRPr lang="en-US" altLang="ko-KR" dirty="0" smtClean="0">
+            <a:endParaRPr lang="en-US" altLang="ko-KR" dirty="0">
               <a:solidFill>
                 <a:schemeClr val="bg1"/>
               </a:solidFill>
@@ -3900,18 +3872,13 @@
           </a:p>
           <a:p>
             <a:r>
-              <a:rPr lang="ko-KR" altLang="en-US" dirty="0" smtClean="0">
+              <a:rPr lang="ko-KR" altLang="en-US" dirty="0">
                 <a:solidFill>
                   <a:schemeClr val="bg1"/>
                 </a:solidFill>
               </a:rPr>
               <a:t>서버에 올리기</a:t>
             </a:r>
-            <a:endParaRPr lang="ko-KR" altLang="en-US" dirty="0">
-              <a:solidFill>
-                <a:schemeClr val="bg1"/>
-              </a:solidFill>
-            </a:endParaRPr>
           </a:p>
         </p:txBody>
       </p:sp>
@@ -3920,6 +3887,222 @@
   <p:clrMapOvr>
     <a:masterClrMapping/>
   </p:clrMapOvr>
+  <p:timing>
+    <p:tnLst>
+      <p:par>
+        <p:cTn id="1" dur="indefinite" restart="never" nodeType="tmRoot">
+          <p:childTnLst>
+            <p:seq concurrent="1" nextAc="seek">
+              <p:cTn id="2" dur="indefinite" nodeType="mainSeq">
+                <p:childTnLst>
+                  <p:par>
+                    <p:cTn id="3" fill="hold">
+                      <p:stCondLst>
+                        <p:cond delay="indefinite"/>
+                      </p:stCondLst>
+                      <p:childTnLst>
+                        <p:par>
+                          <p:cTn id="4" fill="hold">
+                            <p:stCondLst>
+                              <p:cond delay="0"/>
+                            </p:stCondLst>
+                            <p:childTnLst>
+                              <p:par>
+                                <p:cTn id="5" presetID="18" presetClass="entr" presetSubtype="12" fill="hold" grpId="0" nodeType="clickEffect">
+                                  <p:stCondLst>
+                                    <p:cond delay="0"/>
+                                  </p:stCondLst>
+                                  <p:childTnLst>
+                                    <p:set>
+                                      <p:cBhvr>
+                                        <p:cTn id="6" dur="1" fill="hold">
+                                          <p:stCondLst>
+                                            <p:cond delay="0"/>
+                                          </p:stCondLst>
+                                        </p:cTn>
+                                        <p:tgtEl>
+                                          <p:spTgt spid="3">
+                                            <p:txEl>
+                                              <p:pRg st="0" end="0"/>
+                                            </p:txEl>
+                                          </p:spTgt>
+                                        </p:tgtEl>
+                                        <p:attrNameLst>
+                                          <p:attrName>style.visibility</p:attrName>
+                                        </p:attrNameLst>
+                                      </p:cBhvr>
+                                      <p:to>
+                                        <p:strVal val="visible"/>
+                                      </p:to>
+                                    </p:set>
+                                    <p:animEffect transition="in" filter="strips(downLeft)">
+                                      <p:cBhvr>
+                                        <p:cTn id="7" dur="500"/>
+                                        <p:tgtEl>
+                                          <p:spTgt spid="3">
+                                            <p:txEl>
+                                              <p:pRg st="0" end="0"/>
+                                            </p:txEl>
+                                          </p:spTgt>
+                                        </p:tgtEl>
+                                      </p:cBhvr>
+                                    </p:animEffect>
+                                  </p:childTnLst>
+                                </p:cTn>
+                              </p:par>
+                            </p:childTnLst>
+                          </p:cTn>
+                        </p:par>
+                      </p:childTnLst>
+                    </p:cTn>
+                  </p:par>
+                  <p:par>
+                    <p:cTn id="8" fill="hold">
+                      <p:stCondLst>
+                        <p:cond delay="indefinite"/>
+                      </p:stCondLst>
+                      <p:childTnLst>
+                        <p:par>
+                          <p:cTn id="9" fill="hold">
+                            <p:stCondLst>
+                              <p:cond delay="0"/>
+                            </p:stCondLst>
+                            <p:childTnLst>
+                              <p:par>
+                                <p:cTn id="10" presetID="18" presetClass="entr" presetSubtype="12" fill="hold" grpId="0" nodeType="clickEffect">
+                                  <p:stCondLst>
+                                    <p:cond delay="0"/>
+                                  </p:stCondLst>
+                                  <p:childTnLst>
+                                    <p:set>
+                                      <p:cBhvr>
+                                        <p:cTn id="11" dur="1" fill="hold">
+                                          <p:stCondLst>
+                                            <p:cond delay="0"/>
+                                          </p:stCondLst>
+                                        </p:cTn>
+                                        <p:tgtEl>
+                                          <p:spTgt spid="3">
+                                            <p:txEl>
+                                              <p:pRg st="2" end="2"/>
+                                            </p:txEl>
+                                          </p:spTgt>
+                                        </p:tgtEl>
+                                        <p:attrNameLst>
+                                          <p:attrName>style.visibility</p:attrName>
+                                        </p:attrNameLst>
+                                      </p:cBhvr>
+                                      <p:to>
+                                        <p:strVal val="visible"/>
+                                      </p:to>
+                                    </p:set>
+                                    <p:animEffect transition="in" filter="strips(downLeft)">
+                                      <p:cBhvr>
+                                        <p:cTn id="12" dur="500"/>
+                                        <p:tgtEl>
+                                          <p:spTgt spid="3">
+                                            <p:txEl>
+                                              <p:pRg st="2" end="2"/>
+                                            </p:txEl>
+                                          </p:spTgt>
+                                        </p:tgtEl>
+                                      </p:cBhvr>
+                                    </p:animEffect>
+                                  </p:childTnLst>
+                                </p:cTn>
+                              </p:par>
+                            </p:childTnLst>
+                          </p:cTn>
+                        </p:par>
+                      </p:childTnLst>
+                    </p:cTn>
+                  </p:par>
+                  <p:par>
+                    <p:cTn id="13" fill="hold">
+                      <p:stCondLst>
+                        <p:cond delay="indefinite"/>
+                      </p:stCondLst>
+                      <p:childTnLst>
+                        <p:par>
+                          <p:cTn id="14" fill="hold">
+                            <p:stCondLst>
+                              <p:cond delay="0"/>
+                            </p:stCondLst>
+                            <p:childTnLst>
+                              <p:par>
+                                <p:cTn id="15" presetID="18" presetClass="entr" presetSubtype="12" fill="hold" grpId="0" nodeType="clickEffect">
+                                  <p:stCondLst>
+                                    <p:cond delay="0"/>
+                                  </p:stCondLst>
+                                  <p:childTnLst>
+                                    <p:set>
+                                      <p:cBhvr>
+                                        <p:cTn id="16" dur="1" fill="hold">
+                                          <p:stCondLst>
+                                            <p:cond delay="0"/>
+                                          </p:stCondLst>
+                                        </p:cTn>
+                                        <p:tgtEl>
+                                          <p:spTgt spid="3">
+                                            <p:txEl>
+                                              <p:pRg st="4" end="4"/>
+                                            </p:txEl>
+                                          </p:spTgt>
+                                        </p:tgtEl>
+                                        <p:attrNameLst>
+                                          <p:attrName>style.visibility</p:attrName>
+                                        </p:attrNameLst>
+                                      </p:cBhvr>
+                                      <p:to>
+                                        <p:strVal val="visible"/>
+                                      </p:to>
+                                    </p:set>
+                                    <p:animEffect transition="in" filter="strips(downLeft)">
+                                      <p:cBhvr>
+                                        <p:cTn id="17" dur="500"/>
+                                        <p:tgtEl>
+                                          <p:spTgt spid="3">
+                                            <p:txEl>
+                                              <p:pRg st="4" end="4"/>
+                                            </p:txEl>
+                                          </p:spTgt>
+                                        </p:tgtEl>
+                                      </p:cBhvr>
+                                    </p:animEffect>
+                                  </p:childTnLst>
+                                </p:cTn>
+                              </p:par>
+                            </p:childTnLst>
+                          </p:cTn>
+                        </p:par>
+                      </p:childTnLst>
+                    </p:cTn>
+                  </p:par>
+                </p:childTnLst>
+              </p:cTn>
+              <p:prevCondLst>
+                <p:cond evt="onPrev" delay="0">
+                  <p:tgtEl>
+                    <p:sldTgt/>
+                  </p:tgtEl>
+                </p:cond>
+              </p:prevCondLst>
+              <p:nextCondLst>
+                <p:cond evt="onNext" delay="0">
+                  <p:tgtEl>
+                    <p:sldTgt/>
+                  </p:tgtEl>
+                </p:cond>
+              </p:nextCondLst>
+            </p:seq>
+          </p:childTnLst>
+        </p:cTn>
+      </p:par>
+    </p:tnLst>
+    <p:bldLst>
+      <p:bldP spid="3" grpId="0" build="p"/>
+    </p:bldLst>
+  </p:timing>
 </p:sld>
 </file>
 
@@ -3956,10 +4139,9 @@
           <a:lstStyle/>
           <a:p>
             <a:r>
-              <a:rPr lang="ko-KR" altLang="en-US" dirty="0" smtClean="0"/>
+              <a:rPr lang="ko-KR" altLang="en-US" dirty="0"/>
               <a:t>목차</a:t>
             </a:r>
-            <a:endParaRPr lang="ko-KR" altLang="en-US" dirty="0"/>
           </a:p>
         </p:txBody>
       </p:sp>
@@ -3979,21 +4161,21 @@
           <a:lstStyle/>
           <a:p>
             <a:r>
-              <a:rPr lang="ko-KR" altLang="en-US" dirty="0" smtClean="0">
+              <a:rPr lang="ko-KR" altLang="en-US" dirty="0">
                 <a:solidFill>
                   <a:schemeClr val="bg1"/>
                 </a:solidFill>
               </a:rPr>
               <a:t>목표</a:t>
             </a:r>
-            <a:endParaRPr lang="en-US" altLang="ko-KR" dirty="0" smtClean="0">
+            <a:endParaRPr lang="en-US" altLang="ko-KR" dirty="0">
               <a:solidFill>
                 <a:schemeClr val="bg1"/>
               </a:solidFill>
             </a:endParaRPr>
           </a:p>
           <a:p>
-            <a:endParaRPr lang="en-US" altLang="ko-KR" dirty="0" smtClean="0">
+            <a:endParaRPr lang="en-US" altLang="ko-KR" dirty="0">
               <a:solidFill>
                 <a:schemeClr val="bg1"/>
               </a:solidFill>
@@ -4001,29 +4183,43 @@
           </a:p>
           <a:p>
             <a:r>
-              <a:rPr lang="ko-KR" altLang="en-US" dirty="0" smtClean="0">
+              <a:rPr lang="ko-KR" altLang="en-US" dirty="0">
                 <a:solidFill>
                   <a:schemeClr val="bg1"/>
                 </a:solidFill>
               </a:rPr>
-              <a:t>진행 </a:t>
-            </a:r>
-            <a:r>
-              <a:rPr lang="ko-KR" altLang="en-US" dirty="0" smtClean="0">
+              <a:t>진행 정도</a:t>
+            </a:r>
+            <a:endParaRPr lang="en-US" altLang="ko-KR" dirty="0">
+              <a:solidFill>
+                <a:schemeClr val="bg1"/>
+              </a:solidFill>
+            </a:endParaRPr>
+          </a:p>
+          <a:p>
+            <a:endParaRPr lang="en-US" altLang="ko-KR" dirty="0">
+              <a:solidFill>
+                <a:schemeClr val="bg1"/>
+              </a:solidFill>
+            </a:endParaRPr>
+          </a:p>
+          <a:p>
+            <a:r>
+              <a:rPr lang="ko-KR" altLang="en-US" dirty="0">
                 <a:solidFill>
                   <a:schemeClr val="bg1"/>
                 </a:solidFill>
               </a:rPr>
-              <a:t>정도</a:t>
-            </a:r>
-            <a:endParaRPr lang="en-US" altLang="ko-KR" dirty="0" smtClean="0">
+              <a:t>해결한 문제</a:t>
+            </a:r>
+            <a:endParaRPr lang="en-US" altLang="ko-KR" dirty="0">
               <a:solidFill>
                 <a:schemeClr val="bg1"/>
               </a:solidFill>
             </a:endParaRPr>
           </a:p>
           <a:p>
-            <a:endParaRPr lang="en-US" altLang="ko-KR" dirty="0" smtClean="0">
+            <a:endParaRPr lang="en-US" altLang="ko-KR" dirty="0">
               <a:solidFill>
                 <a:schemeClr val="bg1"/>
               </a:solidFill>
@@ -4031,52 +4227,14 @@
           </a:p>
           <a:p>
             <a:r>
-              <a:rPr lang="ko-KR" altLang="en-US" dirty="0" smtClean="0">
-                <a:solidFill>
-                  <a:schemeClr val="bg1"/>
-                </a:solidFill>
-              </a:rPr>
-              <a:t>해</a:t>
-            </a:r>
-            <a:r>
-              <a:rPr lang="ko-KR" altLang="en-US" dirty="0" smtClean="0">
-                <a:solidFill>
-                  <a:schemeClr val="bg1"/>
-                </a:solidFill>
-              </a:rPr>
-              <a:t>결</a:t>
-            </a:r>
-            <a:r>
-              <a:rPr lang="ko-KR" altLang="en-US" dirty="0" smtClean="0">
-                <a:solidFill>
-                  <a:schemeClr val="bg1"/>
-                </a:solidFill>
-              </a:rPr>
-              <a:t>한 문제</a:t>
-            </a:r>
-            <a:endParaRPr lang="en-US" altLang="ko-KR" dirty="0" smtClean="0">
-              <a:solidFill>
-                <a:schemeClr val="bg1"/>
-              </a:solidFill>
-            </a:endParaRPr>
-          </a:p>
-          <a:p>
-            <a:endParaRPr lang="en-US" altLang="ko-KR" dirty="0" smtClean="0">
-              <a:solidFill>
-                <a:schemeClr val="bg1"/>
-              </a:solidFill>
-            </a:endParaRPr>
-          </a:p>
-          <a:p>
-            <a:r>
-              <a:rPr lang="ko-KR" altLang="en-US" dirty="0" smtClean="0">
+              <a:rPr lang="ko-KR" altLang="en-US" dirty="0">
                 <a:solidFill>
                   <a:schemeClr val="bg1"/>
                 </a:solidFill>
               </a:rPr>
               <a:t>해결 중인 문제</a:t>
             </a:r>
-            <a:endParaRPr lang="en-US" altLang="ko-KR" dirty="0" smtClean="0">
+            <a:endParaRPr lang="en-US" altLang="ko-KR" dirty="0">
               <a:solidFill>
                 <a:schemeClr val="bg1"/>
               </a:solidFill>
@@ -4132,14 +4290,9 @@
           <a:lstStyle/>
           <a:p>
             <a:r>
-              <a:rPr lang="ko-KR" altLang="en-US" dirty="0" smtClean="0"/>
-              <a:t>목</a:t>
-            </a:r>
-            <a:r>
-              <a:rPr lang="ko-KR" altLang="en-US" dirty="0" smtClean="0"/>
-              <a:t>표</a:t>
-            </a:r>
-            <a:endParaRPr lang="ko-KR" altLang="en-US" dirty="0"/>
+              <a:rPr lang="ko-KR" altLang="en-US" dirty="0"/>
+              <a:t>목표</a:t>
+            </a:r>
           </a:p>
         </p:txBody>
       </p:sp>
@@ -4162,7 +4315,7 @@
               <a:buNone/>
             </a:pPr>
             <a:r>
-              <a:rPr lang="en-US" altLang="ko-KR" b="1" dirty="0" smtClean="0">
+              <a:rPr lang="en-US" altLang="ko-KR" b="1" dirty="0">
                 <a:solidFill>
                   <a:schemeClr val="bg1"/>
                 </a:solidFill>
@@ -4170,7 +4323,7 @@
               <a:t>SNS </a:t>
             </a:r>
             <a:r>
-              <a:rPr lang="ko-KR" altLang="en-US" b="1" dirty="0" smtClean="0">
+              <a:rPr lang="ko-KR" altLang="en-US" b="1" dirty="0">
                 <a:solidFill>
                   <a:schemeClr val="bg1"/>
                 </a:solidFill>
@@ -4178,14 +4331,14 @@
               <a:t>사용 제한 </a:t>
             </a:r>
             <a:r>
-              <a:rPr lang="ko-KR" altLang="en-US" b="1" dirty="0" err="1" smtClean="0">
+              <a:rPr lang="ko-KR" altLang="en-US" b="1" dirty="0" err="1">
                 <a:solidFill>
                   <a:schemeClr val="bg1"/>
                 </a:solidFill>
               </a:rPr>
               <a:t>어플</a:t>
             </a:r>
-            <a:endParaRPr lang="en-US" altLang="ko-KR" b="1" dirty="0" smtClean="0">
+            <a:endParaRPr lang="en-US" altLang="ko-KR" b="1" dirty="0">
               <a:solidFill>
                 <a:schemeClr val="bg1"/>
               </a:solidFill>
@@ -4195,7 +4348,7 @@
             <a:pPr>
               <a:buNone/>
             </a:pPr>
-            <a:endParaRPr lang="en-US" altLang="ko-KR" dirty="0" smtClean="0">
+            <a:endParaRPr lang="en-US" altLang="ko-KR" dirty="0">
               <a:solidFill>
                 <a:schemeClr val="bg1"/>
               </a:solidFill>
@@ -4203,7 +4356,7 @@
           </a:p>
           <a:p>
             <a:r>
-              <a:rPr lang="en-US" altLang="ko-KR" dirty="0" smtClean="0">
+              <a:rPr lang="en-US" altLang="ko-KR" dirty="0">
                 <a:solidFill>
                   <a:schemeClr val="bg1"/>
                 </a:solidFill>
@@ -4211,21 +4364,21 @@
               <a:t>SNS </a:t>
             </a:r>
             <a:r>
-              <a:rPr lang="ko-KR" altLang="en-US" dirty="0" smtClean="0">
+              <a:rPr lang="ko-KR" altLang="en-US" dirty="0">
                 <a:solidFill>
                   <a:schemeClr val="bg1"/>
                 </a:solidFill>
               </a:rPr>
               <a:t>사용 가능 시간 설정</a:t>
             </a:r>
-            <a:endParaRPr lang="en-US" altLang="ko-KR" dirty="0" smtClean="0">
+            <a:endParaRPr lang="en-US" altLang="ko-KR" dirty="0">
               <a:solidFill>
                 <a:schemeClr val="bg1"/>
               </a:solidFill>
             </a:endParaRPr>
           </a:p>
           <a:p>
-            <a:endParaRPr lang="en-US" altLang="ko-KR" dirty="0" smtClean="0">
+            <a:endParaRPr lang="en-US" altLang="ko-KR" dirty="0">
               <a:solidFill>
                 <a:schemeClr val="bg1"/>
               </a:solidFill>
@@ -4233,7 +4386,7 @@
           </a:p>
           <a:p>
             <a:r>
-              <a:rPr lang="en-US" altLang="ko-KR" dirty="0" smtClean="0">
+              <a:rPr lang="en-US" altLang="ko-KR" dirty="0">
                 <a:solidFill>
                   <a:schemeClr val="bg1"/>
                 </a:solidFill>
@@ -4241,21 +4394,21 @@
               <a:t>SNS </a:t>
             </a:r>
             <a:r>
-              <a:rPr lang="ko-KR" altLang="en-US" dirty="0" smtClean="0">
+              <a:rPr lang="ko-KR" altLang="en-US" dirty="0">
                 <a:solidFill>
                   <a:schemeClr val="bg1"/>
                 </a:solidFill>
               </a:rPr>
               <a:t>사용 시간 측정</a:t>
             </a:r>
-            <a:endParaRPr lang="en-US" altLang="ko-KR" dirty="0" smtClean="0">
+            <a:endParaRPr lang="en-US" altLang="ko-KR" dirty="0">
               <a:solidFill>
                 <a:schemeClr val="bg1"/>
               </a:solidFill>
             </a:endParaRPr>
           </a:p>
           <a:p>
-            <a:endParaRPr lang="en-US" altLang="ko-KR" dirty="0" smtClean="0">
+            <a:endParaRPr lang="en-US" altLang="ko-KR" dirty="0">
               <a:solidFill>
                 <a:schemeClr val="bg1"/>
               </a:solidFill>
@@ -4263,7 +4416,7 @@
           </a:p>
           <a:p>
             <a:r>
-              <a:rPr lang="en-US" altLang="ko-KR" dirty="0" smtClean="0">
+              <a:rPr lang="en-US" altLang="ko-KR" dirty="0">
                 <a:solidFill>
                   <a:schemeClr val="bg1"/>
                 </a:solidFill>
@@ -4271,18 +4424,29 @@
               <a:t>SNS </a:t>
             </a:r>
             <a:r>
-              <a:rPr lang="ko-KR" altLang="en-US" dirty="0" smtClean="0">
+              <a:rPr lang="ko-KR" altLang="en-US" dirty="0">
+                <a:solidFill>
+                  <a:schemeClr val="bg1"/>
+                </a:solidFill>
+              </a:rPr>
+              <a:t>를</a:t>
+            </a:r>
+            <a:r>
+              <a:rPr lang="en-US" altLang="ko-KR" dirty="0">
+                <a:solidFill>
+                  <a:schemeClr val="bg1"/>
+                </a:solidFill>
+              </a:rPr>
+              <a:t> </a:t>
+            </a:r>
+            <a:r>
+              <a:rPr lang="ko-KR" altLang="en-US" dirty="0">
                 <a:solidFill>
                   <a:schemeClr val="bg1"/>
                 </a:solidFill>
               </a:rPr>
               <a:t>지정 시간이상 사용시 제한</a:t>
             </a:r>
-            <a:endParaRPr lang="ko-KR" altLang="en-US" dirty="0">
-              <a:solidFill>
-                <a:schemeClr val="bg1"/>
-              </a:solidFill>
-            </a:endParaRPr>
           </a:p>
         </p:txBody>
       </p:sp>
@@ -4327,10 +4491,9 @@
           <a:lstStyle/>
           <a:p>
             <a:r>
-              <a:rPr lang="ko-KR" altLang="en-US" dirty="0" smtClean="0"/>
+              <a:rPr lang="ko-KR" altLang="en-US" dirty="0"/>
               <a:t>진행 정도</a:t>
             </a:r>
-            <a:endParaRPr lang="ko-KR" altLang="en-US" dirty="0"/>
           </a:p>
         </p:txBody>
       </p:sp>
@@ -4368,7 +4531,7 @@
       </p:pic>
       <p:pic>
         <p:nvPicPr>
-          <p:cNvPr id="4099" name="Picture 3"/>
+          <p:cNvPr id="4101" name="Picture 5"/>
           <p:cNvPicPr>
             <a:picLocks noChangeAspect="1" noChangeArrowheads="1"/>
           </p:cNvPicPr>
@@ -4383,8 +4546,8 @@
         </p:blipFill>
         <p:spPr bwMode="auto">
           <a:xfrm>
-            <a:off x="5076056" y="1124744"/>
-            <a:ext cx="2905125" cy="5191125"/>
+            <a:off x="1053133" y="1105694"/>
+            <a:ext cx="2914650" cy="5210175"/>
           </a:xfrm>
           <a:prstGeom prst="rect">
             <a:avLst/>
@@ -4400,34 +4563,32 @@
       </p:pic>
       <p:pic>
         <p:nvPicPr>
-          <p:cNvPr id="4101" name="Picture 5"/>
+          <p:cNvPr id="3" name="그림 2">
+            <a:extLst>
+              <a:ext uri="{FF2B5EF4-FFF2-40B4-BE49-F238E27FC236}">
+                <a16:creationId xmlns:a16="http://schemas.microsoft.com/office/drawing/2014/main" id="{D0743332-13FB-4574-A1F9-6A0E249F09DC}"/>
+              </a:ext>
+            </a:extLst>
+          </p:cNvPr>
           <p:cNvPicPr>
-            <a:picLocks noChangeAspect="1" noChangeArrowheads="1"/>
+            <a:picLocks noChangeAspect="1"/>
           </p:cNvPicPr>
           <p:nvPr/>
         </p:nvPicPr>
         <p:blipFill>
-          <a:blip r:embed="rId4" cstate="print"/>
-          <a:srcRect/>
+          <a:blip r:embed="rId4"/>
           <a:stretch>
             <a:fillRect/>
           </a:stretch>
         </p:blipFill>
-        <p:spPr bwMode="auto">
+        <p:spPr>
           <a:xfrm>
-            <a:off x="1043608" y="1124744"/>
-            <a:ext cx="2914650" cy="5210175"/>
+            <a:off x="4860032" y="1124744"/>
+            <a:ext cx="2952750" cy="5238750"/>
           </a:xfrm>
           <a:prstGeom prst="rect">
             <a:avLst/>
           </a:prstGeom>
-          <a:noFill/>
-          <a:ln w="9525">
-            <a:noFill/>
-            <a:miter lim="800000"/>
-            <a:headEnd/>
-            <a:tailEnd/>
-          </a:ln>
         </p:spPr>
       </p:pic>
     </p:spTree>
@@ -4438,7 +4599,181 @@
   <p:timing>
     <p:tnLst>
       <p:par>
-        <p:cTn id="1" dur="indefinite" restart="never" nodeType="tmRoot"/>
+        <p:cTn id="1" dur="indefinite" restart="never" nodeType="tmRoot">
+          <p:childTnLst>
+            <p:seq concurrent="1" nextAc="seek">
+              <p:cTn id="2" dur="indefinite" nodeType="mainSeq">
+                <p:childTnLst>
+                  <p:par>
+                    <p:cTn id="3" fill="hold">
+                      <p:stCondLst>
+                        <p:cond delay="indefinite"/>
+                      </p:stCondLst>
+                      <p:childTnLst>
+                        <p:par>
+                          <p:cTn id="4" fill="hold">
+                            <p:stCondLst>
+                              <p:cond delay="0"/>
+                            </p:stCondLst>
+                            <p:childTnLst>
+                              <p:par>
+                                <p:cTn id="5" presetID="1" presetClass="entr" presetSubtype="0" fill="hold" nodeType="clickEffect">
+                                  <p:stCondLst>
+                                    <p:cond delay="0"/>
+                                  </p:stCondLst>
+                                  <p:childTnLst>
+                                    <p:set>
+                                      <p:cBhvr>
+                                        <p:cTn id="6" dur="1" fill="hold">
+                                          <p:stCondLst>
+                                            <p:cond delay="0"/>
+                                          </p:stCondLst>
+                                        </p:cTn>
+                                        <p:tgtEl>
+                                          <p:spTgt spid="3"/>
+                                        </p:tgtEl>
+                                        <p:attrNameLst>
+                                          <p:attrName>style.visibility</p:attrName>
+                                        </p:attrNameLst>
+                                      </p:cBhvr>
+                                      <p:to>
+                                        <p:strVal val="visible"/>
+                                      </p:to>
+                                    </p:set>
+                                  </p:childTnLst>
+                                </p:cTn>
+                              </p:par>
+                            </p:childTnLst>
+                          </p:cTn>
+                        </p:par>
+                      </p:childTnLst>
+                    </p:cTn>
+                  </p:par>
+                  <p:par>
+                    <p:cTn id="7" fill="hold">
+                      <p:stCondLst>
+                        <p:cond delay="indefinite"/>
+                      </p:stCondLst>
+                      <p:childTnLst>
+                        <p:par>
+                          <p:cTn id="8" fill="hold">
+                            <p:stCondLst>
+                              <p:cond delay="0"/>
+                            </p:stCondLst>
+                            <p:childTnLst>
+                              <p:par>
+                                <p:cTn id="9" presetID="22" presetClass="exit" presetSubtype="4" fill="hold" nodeType="clickEffect">
+                                  <p:stCondLst>
+                                    <p:cond delay="0"/>
+                                  </p:stCondLst>
+                                  <p:childTnLst>
+                                    <p:animEffect transition="out" filter="wipe(down)">
+                                      <p:cBhvr>
+                                        <p:cTn id="10" dur="500"/>
+                                        <p:tgtEl>
+                                          <p:spTgt spid="4098"/>
+                                        </p:tgtEl>
+                                      </p:cBhvr>
+                                    </p:animEffect>
+                                    <p:set>
+                                      <p:cBhvr>
+                                        <p:cTn id="11" dur="1" fill="hold">
+                                          <p:stCondLst>
+                                            <p:cond delay="499"/>
+                                          </p:stCondLst>
+                                        </p:cTn>
+                                        <p:tgtEl>
+                                          <p:spTgt spid="4098"/>
+                                        </p:tgtEl>
+                                        <p:attrNameLst>
+                                          <p:attrName>style.visibility</p:attrName>
+                                        </p:attrNameLst>
+                                      </p:cBhvr>
+                                      <p:to>
+                                        <p:strVal val="hidden"/>
+                                      </p:to>
+                                    </p:set>
+                                  </p:childTnLst>
+                                </p:cTn>
+                              </p:par>
+                            </p:childTnLst>
+                          </p:cTn>
+                        </p:par>
+                      </p:childTnLst>
+                    </p:cTn>
+                  </p:par>
+                  <p:par>
+                    <p:cTn id="12" fill="hold">
+                      <p:stCondLst>
+                        <p:cond delay="indefinite"/>
+                      </p:stCondLst>
+                      <p:childTnLst>
+                        <p:par>
+                          <p:cTn id="13" fill="hold">
+                            <p:stCondLst>
+                              <p:cond delay="0"/>
+                            </p:stCondLst>
+                            <p:childTnLst>
+                              <p:par>
+                                <p:cTn id="14" presetID="22" presetClass="entr" presetSubtype="1" fill="hold" nodeType="clickEffect">
+                                  <p:stCondLst>
+                                    <p:cond delay="0"/>
+                                  </p:stCondLst>
+                                  <p:childTnLst>
+                                    <p:set>
+                                      <p:cBhvr>
+                                        <p:cTn id="15" dur="1" fill="hold">
+                                          <p:stCondLst>
+                                            <p:cond delay="0"/>
+                                          </p:stCondLst>
+                                        </p:cTn>
+                                        <p:tgtEl>
+                                          <p:spTgt spid="4101"/>
+                                        </p:tgtEl>
+                                        <p:attrNameLst>
+                                          <p:attrName>style.visibility</p:attrName>
+                                        </p:attrNameLst>
+                                      </p:cBhvr>
+                                      <p:to>
+                                        <p:strVal val="visible"/>
+                                      </p:to>
+                                    </p:set>
+                                    <p:animEffect transition="in" filter="wipe(up)">
+                                      <p:cBhvr>
+                                        <p:cTn id="16" dur="500"/>
+                                        <p:tgtEl>
+                                          <p:spTgt spid="4101"/>
+                                        </p:tgtEl>
+                                      </p:cBhvr>
+                                    </p:animEffect>
+                                  </p:childTnLst>
+                                </p:cTn>
+                              </p:par>
+                            </p:childTnLst>
+                          </p:cTn>
+                        </p:par>
+                      </p:childTnLst>
+                    </p:cTn>
+                  </p:par>
+                </p:childTnLst>
+              </p:cTn>
+              <p:prevCondLst>
+                <p:cond evt="onPrev" delay="0">
+                  <p:tgtEl>
+                    <p:sldTgt/>
+                  </p:tgtEl>
+                </p:cond>
+              </p:prevCondLst>
+              <p:nextCondLst>
+                <p:cond evt="onNext" delay="0">
+                  <p:tgtEl>
+                    <p:sldTgt/>
+                  </p:tgtEl>
+                </p:cond>
+              </p:nextCondLst>
+            </p:seq>
+          </p:childTnLst>
+        </p:cTn>
       </p:par>
     </p:tnLst>
   </p:timing>
@@ -4478,10 +4813,9 @@
           <a:lstStyle/>
           <a:p>
             <a:r>
-              <a:rPr lang="ko-KR" altLang="en-US" dirty="0" smtClean="0"/>
+              <a:rPr lang="ko-KR" altLang="en-US" dirty="0"/>
               <a:t>진행 정도</a:t>
             </a:r>
-            <a:endParaRPr lang="ko-KR" altLang="en-US" dirty="0"/>
           </a:p>
         </p:txBody>
       </p:sp>
@@ -4502,7 +4836,7 @@
         </p:blipFill>
         <p:spPr bwMode="auto">
           <a:xfrm>
-            <a:off x="1187624" y="908720"/>
+            <a:off x="5076056" y="1142450"/>
             <a:ext cx="2943225" cy="5219700"/>
           </a:xfrm>
           <a:prstGeom prst="rect">
@@ -4519,14 +4853,1078 @@
       </p:pic>
       <p:pic>
         <p:nvPicPr>
-          <p:cNvPr id="6147" name="Picture 3"/>
+          <p:cNvPr id="5" name="그림 4">
+            <a:extLst>
+              <a:ext uri="{FF2B5EF4-FFF2-40B4-BE49-F238E27FC236}">
+                <a16:creationId xmlns:a16="http://schemas.microsoft.com/office/drawing/2014/main" id="{4816E323-90A7-4131-ACAC-6059B8AE4998}"/>
+              </a:ext>
+            </a:extLst>
+          </p:cNvPr>
+          <p:cNvPicPr>
+            <a:picLocks noChangeAspect="1"/>
+          </p:cNvPicPr>
+          <p:nvPr/>
+        </p:nvPicPr>
+        <p:blipFill>
+          <a:blip r:embed="rId3"/>
+          <a:stretch>
+            <a:fillRect/>
+          </a:stretch>
+        </p:blipFill>
+        <p:spPr>
+          <a:xfrm>
+            <a:off x="251098" y="1110013"/>
+            <a:ext cx="2952750" cy="5238750"/>
+          </a:xfrm>
+          <a:prstGeom prst="rect">
+            <a:avLst/>
+          </a:prstGeom>
+        </p:spPr>
+      </p:pic>
+      <p:sp>
+        <p:nvSpPr>
+          <p:cNvPr id="3" name="화살표: 오른쪽 2">
+            <a:extLst>
+              <a:ext uri="{FF2B5EF4-FFF2-40B4-BE49-F238E27FC236}">
+                <a16:creationId xmlns:a16="http://schemas.microsoft.com/office/drawing/2014/main" id="{ACE66719-8FE6-4237-BDB1-C63951078BE7}"/>
+              </a:ext>
+            </a:extLst>
+          </p:cNvPr>
+          <p:cNvSpPr/>
+          <p:nvPr/>
+        </p:nvSpPr>
+        <p:spPr>
+          <a:xfrm>
+            <a:off x="3491880" y="2852936"/>
+            <a:ext cx="1296144" cy="1008112"/>
+          </a:xfrm>
+          <a:prstGeom prst="rightArrow">
+            <a:avLst/>
+          </a:prstGeom>
+          <a:solidFill>
+            <a:schemeClr val="bg1"/>
+          </a:solidFill>
+          <a:ln>
+            <a:solidFill>
+              <a:srgbClr val="C00000"/>
+            </a:solidFill>
+          </a:ln>
+        </p:spPr>
+        <p:style>
+          <a:lnRef idx="2">
+            <a:schemeClr val="accent1">
+              <a:shade val="50000"/>
+            </a:schemeClr>
+          </a:lnRef>
+          <a:fillRef idx="1">
+            <a:schemeClr val="accent1"/>
+          </a:fillRef>
+          <a:effectRef idx="0">
+            <a:schemeClr val="accent1"/>
+          </a:effectRef>
+          <a:fontRef idx="minor">
+            <a:schemeClr val="lt1"/>
+          </a:fontRef>
+        </p:style>
+        <p:txBody>
+          <a:bodyPr rtlCol="0" anchor="ctr"/>
+          <a:lstStyle/>
+          <a:p>
+            <a:pPr algn="ctr"/>
+            <a:endParaRPr lang="ko-KR" altLang="en-US" dirty="0"/>
+          </a:p>
+        </p:txBody>
+      </p:sp>
+      <p:sp>
+        <p:nvSpPr>
+          <p:cNvPr id="4" name="직사각형 3">
+            <a:extLst>
+              <a:ext uri="{FF2B5EF4-FFF2-40B4-BE49-F238E27FC236}">
+                <a16:creationId xmlns:a16="http://schemas.microsoft.com/office/drawing/2014/main" id="{1A236C6A-ECE5-4645-9DF7-616428F3BF32}"/>
+              </a:ext>
+            </a:extLst>
+          </p:cNvPr>
+          <p:cNvSpPr/>
+          <p:nvPr/>
+        </p:nvSpPr>
+        <p:spPr>
+          <a:xfrm>
+            <a:off x="323528" y="4581128"/>
+            <a:ext cx="720080" cy="432048"/>
+          </a:xfrm>
+          <a:prstGeom prst="rect">
+            <a:avLst/>
+          </a:prstGeom>
+          <a:noFill/>
+          <a:ln>
+            <a:solidFill>
+              <a:srgbClr val="FF0000"/>
+            </a:solidFill>
+          </a:ln>
+        </p:spPr>
+        <p:style>
+          <a:lnRef idx="2">
+            <a:schemeClr val="accent1">
+              <a:shade val="50000"/>
+            </a:schemeClr>
+          </a:lnRef>
+          <a:fillRef idx="1">
+            <a:schemeClr val="accent1"/>
+          </a:fillRef>
+          <a:effectRef idx="0">
+            <a:schemeClr val="accent1"/>
+          </a:effectRef>
+          <a:fontRef idx="minor">
+            <a:schemeClr val="lt1"/>
+          </a:fontRef>
+        </p:style>
+        <p:txBody>
+          <a:bodyPr rtlCol="0" anchor="ctr"/>
+          <a:lstStyle/>
+          <a:p>
+            <a:pPr algn="ctr"/>
+            <a:endParaRPr lang="ko-KR" altLang="en-US"/>
+          </a:p>
+        </p:txBody>
+      </p:sp>
+    </p:spTree>
+  </p:cSld>
+  <p:clrMapOvr>
+    <a:masterClrMapping/>
+  </p:clrMapOvr>
+</p:sld>
+</file>
+
+<file path=ppt/slides/slide6.xml><?xml version="1.0" encoding="utf-8"?>
+<p:sld xmlns:a="http://schemas.openxmlformats.org/drawingml/2006/main" xmlns:r="http://schemas.openxmlformats.org/officeDocument/2006/relationships" xmlns:p="http://schemas.openxmlformats.org/presentationml/2006/main">
+  <p:cSld>
+    <p:spTree>
+      <p:nvGrpSpPr>
+        <p:cNvPr id="1" name=""/>
+        <p:cNvGrpSpPr/>
+        <p:nvPr/>
+      </p:nvGrpSpPr>
+      <p:grpSpPr>
+        <a:xfrm>
+          <a:off x="0" y="0"/>
+          <a:ext cx="0" cy="0"/>
+          <a:chOff x="0" y="0"/>
+          <a:chExt cx="0" cy="0"/>
+        </a:xfrm>
+      </p:grpSpPr>
+      <p:sp>
+        <p:nvSpPr>
+          <p:cNvPr id="2" name="제목 1"/>
+          <p:cNvSpPr>
+            <a:spLocks noGrp="1"/>
+          </p:cNvSpPr>
+          <p:nvPr>
+            <p:ph type="title"/>
+          </p:nvPr>
+        </p:nvSpPr>
+        <p:spPr/>
+        <p:txBody>
+          <a:bodyPr/>
+          <a:lstStyle/>
+          <a:p>
+            <a:r>
+              <a:rPr lang="ko-KR" altLang="en-US" dirty="0"/>
+              <a:t>발생한 문제</a:t>
+            </a:r>
+          </a:p>
+        </p:txBody>
+      </p:sp>
+      <p:sp>
+        <p:nvSpPr>
+          <p:cNvPr id="3" name="내용 개체 틀 2"/>
+          <p:cNvSpPr>
+            <a:spLocks noGrp="1"/>
+          </p:cNvSpPr>
+          <p:nvPr>
+            <p:ph idx="1"/>
+          </p:nvPr>
+        </p:nvSpPr>
+        <p:spPr/>
+        <p:txBody>
+          <a:bodyPr/>
+          <a:lstStyle/>
+          <a:p>
+            <a:r>
+              <a:rPr lang="en-US" altLang="ko-KR" dirty="0" err="1">
+                <a:solidFill>
+                  <a:schemeClr val="bg1"/>
+                </a:solidFill>
+              </a:rPr>
+              <a:t>TopActivity</a:t>
+            </a:r>
+            <a:r>
+              <a:rPr lang="en-US" altLang="ko-KR" dirty="0">
+                <a:solidFill>
+                  <a:schemeClr val="bg1"/>
+                </a:solidFill>
+              </a:rPr>
+              <a:t> </a:t>
+            </a:r>
+            <a:r>
+              <a:rPr lang="ko-KR" altLang="en-US" dirty="0">
+                <a:solidFill>
+                  <a:schemeClr val="bg1"/>
+                </a:solidFill>
+              </a:rPr>
+              <a:t>에러</a:t>
+            </a:r>
+            <a:endParaRPr lang="en-US" altLang="ko-KR" dirty="0">
+              <a:solidFill>
+                <a:schemeClr val="bg1"/>
+              </a:solidFill>
+            </a:endParaRPr>
+          </a:p>
+          <a:p>
+            <a:endParaRPr lang="en-US" altLang="ko-KR" dirty="0">
+              <a:solidFill>
+                <a:schemeClr val="bg1"/>
+              </a:solidFill>
+            </a:endParaRPr>
+          </a:p>
+          <a:p>
+            <a:r>
+              <a:rPr lang="ko-KR" altLang="en-US" dirty="0">
+                <a:solidFill>
+                  <a:schemeClr val="bg1"/>
+                </a:solidFill>
+              </a:rPr>
+              <a:t>서비스 에러</a:t>
+            </a:r>
+            <a:endParaRPr lang="en-US" altLang="ko-KR" dirty="0">
+              <a:solidFill>
+                <a:schemeClr val="bg1"/>
+              </a:solidFill>
+            </a:endParaRPr>
+          </a:p>
+          <a:p>
+            <a:endParaRPr lang="en-US" altLang="ko-KR" dirty="0">
+              <a:solidFill>
+                <a:schemeClr val="bg1"/>
+              </a:solidFill>
+            </a:endParaRPr>
+          </a:p>
+          <a:p>
+            <a:r>
+              <a:rPr lang="ko-KR" altLang="en-US" dirty="0">
+                <a:solidFill>
+                  <a:schemeClr val="bg1"/>
+                </a:solidFill>
+              </a:rPr>
+              <a:t>리스트 </a:t>
+            </a:r>
+            <a:r>
+              <a:rPr lang="ko-KR" altLang="en-US" dirty="0" err="1">
+                <a:solidFill>
+                  <a:schemeClr val="bg1"/>
+                </a:solidFill>
+              </a:rPr>
+              <a:t>뷰</a:t>
+            </a:r>
+            <a:r>
+              <a:rPr lang="ko-KR" altLang="en-US" dirty="0">
+                <a:solidFill>
+                  <a:schemeClr val="bg1"/>
+                </a:solidFill>
+              </a:rPr>
+              <a:t> 에러</a:t>
+            </a:r>
+            <a:endParaRPr lang="en-US" altLang="ko-KR" dirty="0">
+              <a:solidFill>
+                <a:schemeClr val="bg1"/>
+              </a:solidFill>
+            </a:endParaRPr>
+          </a:p>
+          <a:p>
+            <a:endParaRPr lang="en-US" altLang="ko-KR" dirty="0">
+              <a:solidFill>
+                <a:schemeClr val="bg1"/>
+              </a:solidFill>
+            </a:endParaRPr>
+          </a:p>
+        </p:txBody>
+      </p:sp>
+    </p:spTree>
+  </p:cSld>
+  <p:clrMapOvr>
+    <a:masterClrMapping/>
+  </p:clrMapOvr>
+  <p:timing>
+    <p:tnLst>
+      <p:par>
+        <p:cTn id="1" dur="indefinite" restart="never" nodeType="tmRoot">
+          <p:childTnLst>
+            <p:seq concurrent="1" nextAc="seek">
+              <p:cTn id="2" dur="indefinite" nodeType="mainSeq">
+                <p:childTnLst>
+                  <p:par>
+                    <p:cTn id="3" fill="hold">
+                      <p:stCondLst>
+                        <p:cond delay="indefinite"/>
+                      </p:stCondLst>
+                      <p:childTnLst>
+                        <p:par>
+                          <p:cTn id="4" fill="hold">
+                            <p:stCondLst>
+                              <p:cond delay="0"/>
+                            </p:stCondLst>
+                            <p:childTnLst>
+                              <p:par>
+                                <p:cTn id="5" presetID="18" presetClass="entr" presetSubtype="12" fill="hold" grpId="0" nodeType="clickEffect">
+                                  <p:stCondLst>
+                                    <p:cond delay="0"/>
+                                  </p:stCondLst>
+                                  <p:childTnLst>
+                                    <p:set>
+                                      <p:cBhvr>
+                                        <p:cTn id="6" dur="1" fill="hold">
+                                          <p:stCondLst>
+                                            <p:cond delay="0"/>
+                                          </p:stCondLst>
+                                        </p:cTn>
+                                        <p:tgtEl>
+                                          <p:spTgt spid="3">
+                                            <p:txEl>
+                                              <p:pRg st="0" end="0"/>
+                                            </p:txEl>
+                                          </p:spTgt>
+                                        </p:tgtEl>
+                                        <p:attrNameLst>
+                                          <p:attrName>style.visibility</p:attrName>
+                                        </p:attrNameLst>
+                                      </p:cBhvr>
+                                      <p:to>
+                                        <p:strVal val="visible"/>
+                                      </p:to>
+                                    </p:set>
+                                    <p:animEffect transition="in" filter="strips(downLeft)">
+                                      <p:cBhvr>
+                                        <p:cTn id="7" dur="500"/>
+                                        <p:tgtEl>
+                                          <p:spTgt spid="3">
+                                            <p:txEl>
+                                              <p:pRg st="0" end="0"/>
+                                            </p:txEl>
+                                          </p:spTgt>
+                                        </p:tgtEl>
+                                      </p:cBhvr>
+                                    </p:animEffect>
+                                  </p:childTnLst>
+                                </p:cTn>
+                              </p:par>
+                            </p:childTnLst>
+                          </p:cTn>
+                        </p:par>
+                      </p:childTnLst>
+                    </p:cTn>
+                  </p:par>
+                  <p:par>
+                    <p:cTn id="8" fill="hold">
+                      <p:stCondLst>
+                        <p:cond delay="indefinite"/>
+                      </p:stCondLst>
+                      <p:childTnLst>
+                        <p:par>
+                          <p:cTn id="9" fill="hold">
+                            <p:stCondLst>
+                              <p:cond delay="0"/>
+                            </p:stCondLst>
+                            <p:childTnLst>
+                              <p:par>
+                                <p:cTn id="10" presetID="18" presetClass="entr" presetSubtype="12" fill="hold" grpId="0" nodeType="clickEffect">
+                                  <p:stCondLst>
+                                    <p:cond delay="0"/>
+                                  </p:stCondLst>
+                                  <p:childTnLst>
+                                    <p:set>
+                                      <p:cBhvr>
+                                        <p:cTn id="11" dur="1" fill="hold">
+                                          <p:stCondLst>
+                                            <p:cond delay="0"/>
+                                          </p:stCondLst>
+                                        </p:cTn>
+                                        <p:tgtEl>
+                                          <p:spTgt spid="3">
+                                            <p:txEl>
+                                              <p:pRg st="2" end="2"/>
+                                            </p:txEl>
+                                          </p:spTgt>
+                                        </p:tgtEl>
+                                        <p:attrNameLst>
+                                          <p:attrName>style.visibility</p:attrName>
+                                        </p:attrNameLst>
+                                      </p:cBhvr>
+                                      <p:to>
+                                        <p:strVal val="visible"/>
+                                      </p:to>
+                                    </p:set>
+                                    <p:animEffect transition="in" filter="strips(downLeft)">
+                                      <p:cBhvr>
+                                        <p:cTn id="12" dur="500"/>
+                                        <p:tgtEl>
+                                          <p:spTgt spid="3">
+                                            <p:txEl>
+                                              <p:pRg st="2" end="2"/>
+                                            </p:txEl>
+                                          </p:spTgt>
+                                        </p:tgtEl>
+                                      </p:cBhvr>
+                                    </p:animEffect>
+                                  </p:childTnLst>
+                                </p:cTn>
+                              </p:par>
+                            </p:childTnLst>
+                          </p:cTn>
+                        </p:par>
+                      </p:childTnLst>
+                    </p:cTn>
+                  </p:par>
+                  <p:par>
+                    <p:cTn id="13" fill="hold">
+                      <p:stCondLst>
+                        <p:cond delay="indefinite"/>
+                      </p:stCondLst>
+                      <p:childTnLst>
+                        <p:par>
+                          <p:cTn id="14" fill="hold">
+                            <p:stCondLst>
+                              <p:cond delay="0"/>
+                            </p:stCondLst>
+                            <p:childTnLst>
+                              <p:par>
+                                <p:cTn id="15" presetID="18" presetClass="entr" presetSubtype="12" fill="hold" grpId="0" nodeType="clickEffect">
+                                  <p:stCondLst>
+                                    <p:cond delay="0"/>
+                                  </p:stCondLst>
+                                  <p:childTnLst>
+                                    <p:set>
+                                      <p:cBhvr>
+                                        <p:cTn id="16" dur="1" fill="hold">
+                                          <p:stCondLst>
+                                            <p:cond delay="0"/>
+                                          </p:stCondLst>
+                                        </p:cTn>
+                                        <p:tgtEl>
+                                          <p:spTgt spid="3">
+                                            <p:txEl>
+                                              <p:pRg st="4" end="4"/>
+                                            </p:txEl>
+                                          </p:spTgt>
+                                        </p:tgtEl>
+                                        <p:attrNameLst>
+                                          <p:attrName>style.visibility</p:attrName>
+                                        </p:attrNameLst>
+                                      </p:cBhvr>
+                                      <p:to>
+                                        <p:strVal val="visible"/>
+                                      </p:to>
+                                    </p:set>
+                                    <p:animEffect transition="in" filter="strips(downLeft)">
+                                      <p:cBhvr>
+                                        <p:cTn id="17" dur="500"/>
+                                        <p:tgtEl>
+                                          <p:spTgt spid="3">
+                                            <p:txEl>
+                                              <p:pRg st="4" end="4"/>
+                                            </p:txEl>
+                                          </p:spTgt>
+                                        </p:tgtEl>
+                                      </p:cBhvr>
+                                    </p:animEffect>
+                                  </p:childTnLst>
+                                </p:cTn>
+                              </p:par>
+                            </p:childTnLst>
+                          </p:cTn>
+                        </p:par>
+                      </p:childTnLst>
+                    </p:cTn>
+                  </p:par>
+                </p:childTnLst>
+              </p:cTn>
+              <p:prevCondLst>
+                <p:cond evt="onPrev" delay="0">
+                  <p:tgtEl>
+                    <p:sldTgt/>
+                  </p:tgtEl>
+                </p:cond>
+              </p:prevCondLst>
+              <p:nextCondLst>
+                <p:cond evt="onNext" delay="0">
+                  <p:tgtEl>
+                    <p:sldTgt/>
+                  </p:tgtEl>
+                </p:cond>
+              </p:nextCondLst>
+            </p:seq>
+          </p:childTnLst>
+        </p:cTn>
+      </p:par>
+    </p:tnLst>
+    <p:bldLst>
+      <p:bldP spid="3" grpId="0" build="p"/>
+    </p:bldLst>
+  </p:timing>
+</p:sld>
+</file>
+
+<file path=ppt/slides/slide7.xml><?xml version="1.0" encoding="utf-8"?>
+<p:sld xmlns:a="http://schemas.openxmlformats.org/drawingml/2006/main" xmlns:r="http://schemas.openxmlformats.org/officeDocument/2006/relationships" xmlns:p="http://schemas.openxmlformats.org/presentationml/2006/main">
+  <p:cSld>
+    <p:spTree>
+      <p:nvGrpSpPr>
+        <p:cNvPr id="1" name=""/>
+        <p:cNvGrpSpPr/>
+        <p:nvPr/>
+      </p:nvGrpSpPr>
+      <p:grpSpPr>
+        <a:xfrm>
+          <a:off x="0" y="0"/>
+          <a:ext cx="0" cy="0"/>
+          <a:chOff x="0" y="0"/>
+          <a:chExt cx="0" cy="0"/>
+        </a:xfrm>
+      </p:grpSpPr>
+      <p:sp>
+        <p:nvSpPr>
+          <p:cNvPr id="2" name="제목 1"/>
+          <p:cNvSpPr>
+            <a:spLocks noGrp="1"/>
+          </p:cNvSpPr>
+          <p:nvPr>
+            <p:ph type="title"/>
+          </p:nvPr>
+        </p:nvSpPr>
+        <p:spPr/>
+        <p:txBody>
+          <a:bodyPr/>
+          <a:lstStyle/>
+          <a:p>
+            <a:r>
+              <a:rPr lang="en-US" altLang="ko-KR" dirty="0" err="1"/>
+              <a:t>topActivity</a:t>
+            </a:r>
+            <a:r>
+              <a:rPr lang="en-US" altLang="ko-KR" dirty="0"/>
+              <a:t> </a:t>
+            </a:r>
+            <a:r>
+              <a:rPr lang="ko-KR" altLang="en-US" dirty="0"/>
+              <a:t>에러 해결</a:t>
+            </a:r>
+          </a:p>
+        </p:txBody>
+      </p:sp>
+      <p:sp>
+        <p:nvSpPr>
+          <p:cNvPr id="3" name="내용 개체 틀 2"/>
+          <p:cNvSpPr>
+            <a:spLocks noGrp="1"/>
+          </p:cNvSpPr>
+          <p:nvPr>
+            <p:ph idx="1"/>
+          </p:nvPr>
+        </p:nvSpPr>
+        <p:spPr/>
+        <p:txBody>
+          <a:bodyPr/>
+          <a:lstStyle/>
+          <a:p>
+            <a:r>
+              <a:rPr lang="en-US" altLang="ko-KR" dirty="0" err="1">
+                <a:solidFill>
+                  <a:schemeClr val="bg1"/>
+                </a:solidFill>
+              </a:rPr>
+              <a:t>UsageStatsManager</a:t>
+            </a:r>
+            <a:r>
+              <a:rPr lang="en-US" altLang="ko-KR" dirty="0">
+                <a:solidFill>
+                  <a:schemeClr val="bg1"/>
+                </a:solidFill>
+              </a:rPr>
+              <a:t> </a:t>
+            </a:r>
+            <a:r>
+              <a:rPr lang="ko-KR" altLang="en-US" dirty="0">
+                <a:solidFill>
+                  <a:schemeClr val="bg1"/>
+                </a:solidFill>
+              </a:rPr>
+              <a:t>사용</a:t>
+            </a:r>
+            <a:endParaRPr lang="en-US" altLang="ko-KR" dirty="0">
+              <a:solidFill>
+                <a:schemeClr val="bg1"/>
+              </a:solidFill>
+            </a:endParaRPr>
+          </a:p>
+          <a:p>
+            <a:endParaRPr lang="en-US" altLang="ko-KR" dirty="0">
+              <a:solidFill>
+                <a:schemeClr val="bg1"/>
+              </a:solidFill>
+            </a:endParaRPr>
+          </a:p>
+          <a:p>
+            <a:endParaRPr lang="ko-KR" altLang="en-US" dirty="0">
+              <a:solidFill>
+                <a:schemeClr val="bg1"/>
+              </a:solidFill>
+            </a:endParaRPr>
+          </a:p>
+        </p:txBody>
+      </p:sp>
+      <p:grpSp>
+        <p:nvGrpSpPr>
+          <p:cNvPr id="6" name="그룹 5">
+            <a:extLst>
+              <a:ext uri="{FF2B5EF4-FFF2-40B4-BE49-F238E27FC236}">
+                <a16:creationId xmlns:a16="http://schemas.microsoft.com/office/drawing/2014/main" id="{6E52FCDE-3330-4942-B10A-D08529B7B3D3}"/>
+              </a:ext>
+            </a:extLst>
+          </p:cNvPr>
+          <p:cNvGrpSpPr/>
+          <p:nvPr/>
+        </p:nvGrpSpPr>
+        <p:grpSpPr>
+          <a:xfrm>
+            <a:off x="0" y="1290370"/>
+            <a:ext cx="9144000" cy="3506782"/>
+            <a:chOff x="0" y="1290370"/>
+            <a:chExt cx="9144000" cy="3506782"/>
+          </a:xfrm>
+        </p:grpSpPr>
+        <p:pic>
+          <p:nvPicPr>
+            <p:cNvPr id="4" name="그림 3">
+              <a:extLst>
+                <a:ext uri="{FF2B5EF4-FFF2-40B4-BE49-F238E27FC236}">
+                  <a16:creationId xmlns:a16="http://schemas.microsoft.com/office/drawing/2014/main" id="{A4CC8414-0532-480D-A0D2-3BEE49E382E8}"/>
+                </a:ext>
+              </a:extLst>
+            </p:cNvPr>
+            <p:cNvPicPr>
+              <a:picLocks noChangeAspect="1"/>
+            </p:cNvPicPr>
+            <p:nvPr/>
+          </p:nvPicPr>
+          <p:blipFill>
+            <a:blip r:embed="rId2"/>
+            <a:stretch>
+              <a:fillRect/>
+            </a:stretch>
+          </p:blipFill>
+          <p:spPr>
+            <a:xfrm>
+              <a:off x="0" y="1290370"/>
+              <a:ext cx="9144000" cy="1807115"/>
+            </a:xfrm>
+            <a:prstGeom prst="rect">
+              <a:avLst/>
+            </a:prstGeom>
+          </p:spPr>
+        </p:pic>
+        <p:pic>
+          <p:nvPicPr>
+            <p:cNvPr id="5" name="그림 4">
+              <a:extLst>
+                <a:ext uri="{FF2B5EF4-FFF2-40B4-BE49-F238E27FC236}">
+                  <a16:creationId xmlns:a16="http://schemas.microsoft.com/office/drawing/2014/main" id="{4B9FBFF6-5E1D-4A6C-A6F6-64F7ECD79988}"/>
+                </a:ext>
+              </a:extLst>
+            </p:cNvPr>
+            <p:cNvPicPr>
+              <a:picLocks noChangeAspect="1"/>
+            </p:cNvPicPr>
+            <p:nvPr/>
+          </p:nvPicPr>
+          <p:blipFill>
+            <a:blip r:embed="rId3"/>
+            <a:stretch>
+              <a:fillRect/>
+            </a:stretch>
+          </p:blipFill>
+          <p:spPr>
+            <a:xfrm>
+              <a:off x="0" y="3105666"/>
+              <a:ext cx="8942402" cy="1691486"/>
+            </a:xfrm>
+            <a:prstGeom prst="rect">
+              <a:avLst/>
+            </a:prstGeom>
+          </p:spPr>
+        </p:pic>
+      </p:grpSp>
+      <p:grpSp>
+        <p:nvGrpSpPr>
+          <p:cNvPr id="8" name="그룹 7">
+            <a:extLst>
+              <a:ext uri="{FF2B5EF4-FFF2-40B4-BE49-F238E27FC236}">
+                <a16:creationId xmlns:a16="http://schemas.microsoft.com/office/drawing/2014/main" id="{180A68C7-4248-4AD9-9C33-ED46844C8932}"/>
+              </a:ext>
+            </a:extLst>
+          </p:cNvPr>
+          <p:cNvGrpSpPr/>
+          <p:nvPr/>
+        </p:nvGrpSpPr>
+        <p:grpSpPr>
+          <a:xfrm>
+            <a:off x="899592" y="2348880"/>
+            <a:ext cx="7128792" cy="4323712"/>
+            <a:chOff x="899592" y="2348880"/>
+            <a:chExt cx="7128792" cy="4323712"/>
+          </a:xfrm>
+        </p:grpSpPr>
+        <p:pic>
+          <p:nvPicPr>
+            <p:cNvPr id="1027" name="Picture 3"/>
+            <p:cNvPicPr>
+              <a:picLocks noChangeAspect="1" noChangeArrowheads="1"/>
+            </p:cNvPicPr>
+            <p:nvPr/>
+          </p:nvPicPr>
+          <p:blipFill>
+            <a:blip r:embed="rId4" cstate="print"/>
+            <a:srcRect/>
+            <a:stretch>
+              <a:fillRect/>
+            </a:stretch>
+          </p:blipFill>
+          <p:spPr bwMode="auto">
+            <a:xfrm>
+              <a:off x="899592" y="2348880"/>
+              <a:ext cx="7128792" cy="4033200"/>
+            </a:xfrm>
+            <a:prstGeom prst="rect">
+              <a:avLst/>
+            </a:prstGeom>
+            <a:noFill/>
+            <a:ln w="9525">
+              <a:noFill/>
+              <a:miter lim="800000"/>
+              <a:headEnd/>
+              <a:tailEnd/>
+            </a:ln>
+          </p:spPr>
+        </p:pic>
+        <p:pic>
+          <p:nvPicPr>
+            <p:cNvPr id="7" name="그림 6">
+              <a:extLst>
+                <a:ext uri="{FF2B5EF4-FFF2-40B4-BE49-F238E27FC236}">
+                  <a16:creationId xmlns:a16="http://schemas.microsoft.com/office/drawing/2014/main" id="{51EF51AB-9506-4714-99CE-7A4FC8F12F5D}"/>
+                </a:ext>
+              </a:extLst>
+            </p:cNvPr>
+            <p:cNvPicPr>
+              <a:picLocks noChangeAspect="1"/>
+            </p:cNvPicPr>
+            <p:nvPr/>
+          </p:nvPicPr>
+          <p:blipFill>
+            <a:blip r:embed="rId5"/>
+            <a:stretch>
+              <a:fillRect/>
+            </a:stretch>
+          </p:blipFill>
+          <p:spPr>
+            <a:xfrm>
+              <a:off x="899592" y="6091567"/>
+              <a:ext cx="5648325" cy="581025"/>
+            </a:xfrm>
+            <a:prstGeom prst="rect">
+              <a:avLst/>
+            </a:prstGeom>
+          </p:spPr>
+        </p:pic>
+      </p:grpSp>
+    </p:spTree>
+  </p:cSld>
+  <p:clrMapOvr>
+    <a:masterClrMapping/>
+  </p:clrMapOvr>
+  <p:timing>
+    <p:tnLst>
+      <p:par>
+        <p:cTn id="1" dur="indefinite" restart="never" nodeType="tmRoot">
+          <p:childTnLst>
+            <p:seq concurrent="1" nextAc="seek">
+              <p:cTn id="2" dur="indefinite" nodeType="mainSeq">
+                <p:childTnLst>
+                  <p:par>
+                    <p:cTn id="3" fill="hold">
+                      <p:stCondLst>
+                        <p:cond delay="indefinite"/>
+                      </p:stCondLst>
+                      <p:childTnLst>
+                        <p:par>
+                          <p:cTn id="4" fill="hold">
+                            <p:stCondLst>
+                              <p:cond delay="0"/>
+                            </p:stCondLst>
+                            <p:childTnLst>
+                              <p:par>
+                                <p:cTn id="5" presetID="1" presetClass="entr" presetSubtype="0" fill="hold" nodeType="clickEffect">
+                                  <p:stCondLst>
+                                    <p:cond delay="0"/>
+                                  </p:stCondLst>
+                                  <p:childTnLst>
+                                    <p:set>
+                                      <p:cBhvr>
+                                        <p:cTn id="6" dur="1" fill="hold">
+                                          <p:stCondLst>
+                                            <p:cond delay="0"/>
+                                          </p:stCondLst>
+                                        </p:cTn>
+                                        <p:tgtEl>
+                                          <p:spTgt spid="6"/>
+                                        </p:tgtEl>
+                                        <p:attrNameLst>
+                                          <p:attrName>style.visibility</p:attrName>
+                                        </p:attrNameLst>
+                                      </p:cBhvr>
+                                      <p:to>
+                                        <p:strVal val="visible"/>
+                                      </p:to>
+                                    </p:set>
+                                  </p:childTnLst>
+                                </p:cTn>
+                              </p:par>
+                            </p:childTnLst>
+                          </p:cTn>
+                        </p:par>
+                      </p:childTnLst>
+                    </p:cTn>
+                  </p:par>
+                  <p:par>
+                    <p:cTn id="7" fill="hold">
+                      <p:stCondLst>
+                        <p:cond delay="indefinite"/>
+                      </p:stCondLst>
+                      <p:childTnLst>
+                        <p:par>
+                          <p:cTn id="8" fill="hold">
+                            <p:stCondLst>
+                              <p:cond delay="0"/>
+                            </p:stCondLst>
+                            <p:childTnLst>
+                              <p:par>
+                                <p:cTn id="9" presetID="1" presetClass="exit" presetSubtype="0" fill="hold" nodeType="clickEffect">
+                                  <p:stCondLst>
+                                    <p:cond delay="0"/>
+                                  </p:stCondLst>
+                                  <p:childTnLst>
+                                    <p:set>
+                                      <p:cBhvr>
+                                        <p:cTn id="10" dur="1" fill="hold">
+                                          <p:stCondLst>
+                                            <p:cond delay="0"/>
+                                          </p:stCondLst>
+                                        </p:cTn>
+                                        <p:tgtEl>
+                                          <p:spTgt spid="6"/>
+                                        </p:tgtEl>
+                                        <p:attrNameLst>
+                                          <p:attrName>style.visibility</p:attrName>
+                                        </p:attrNameLst>
+                                      </p:cBhvr>
+                                      <p:to>
+                                        <p:strVal val="hidden"/>
+                                      </p:to>
+                                    </p:set>
+                                  </p:childTnLst>
+                                </p:cTn>
+                              </p:par>
+                            </p:childTnLst>
+                          </p:cTn>
+                        </p:par>
+                      </p:childTnLst>
+                    </p:cTn>
+                  </p:par>
+                  <p:par>
+                    <p:cTn id="11" fill="hold">
+                      <p:stCondLst>
+                        <p:cond delay="indefinite"/>
+                      </p:stCondLst>
+                      <p:childTnLst>
+                        <p:par>
+                          <p:cTn id="12" fill="hold">
+                            <p:stCondLst>
+                              <p:cond delay="0"/>
+                            </p:stCondLst>
+                            <p:childTnLst>
+                              <p:par>
+                                <p:cTn id="13" presetID="1" presetClass="entr" presetSubtype="0" fill="hold" nodeType="clickEffect">
+                                  <p:stCondLst>
+                                    <p:cond delay="0"/>
+                                  </p:stCondLst>
+                                  <p:childTnLst>
+                                    <p:set>
+                                      <p:cBhvr>
+                                        <p:cTn id="14" dur="1" fill="hold">
+                                          <p:stCondLst>
+                                            <p:cond delay="0"/>
+                                          </p:stCondLst>
+                                        </p:cTn>
+                                        <p:tgtEl>
+                                          <p:spTgt spid="8"/>
+                                        </p:tgtEl>
+                                        <p:attrNameLst>
+                                          <p:attrName>style.visibility</p:attrName>
+                                        </p:attrNameLst>
+                                      </p:cBhvr>
+                                      <p:to>
+                                        <p:strVal val="visible"/>
+                                      </p:to>
+                                    </p:set>
+                                  </p:childTnLst>
+                                </p:cTn>
+                              </p:par>
+                            </p:childTnLst>
+                          </p:cTn>
+                        </p:par>
+                      </p:childTnLst>
+                    </p:cTn>
+                  </p:par>
+                </p:childTnLst>
+              </p:cTn>
+              <p:prevCondLst>
+                <p:cond evt="onPrev" delay="0">
+                  <p:tgtEl>
+                    <p:sldTgt/>
+                  </p:tgtEl>
+                </p:cond>
+              </p:prevCondLst>
+              <p:nextCondLst>
+                <p:cond evt="onNext" delay="0">
+                  <p:tgtEl>
+                    <p:sldTgt/>
+                  </p:tgtEl>
+                </p:cond>
+              </p:nextCondLst>
+            </p:seq>
+          </p:childTnLst>
+        </p:cTn>
+      </p:par>
+    </p:tnLst>
+  </p:timing>
+</p:sld>
+</file>
+
+<file path=ppt/slides/slide8.xml><?xml version="1.0" encoding="utf-8"?>
+<p:sld xmlns:a="http://schemas.openxmlformats.org/drawingml/2006/main" xmlns:r="http://schemas.openxmlformats.org/officeDocument/2006/relationships" xmlns:p="http://schemas.openxmlformats.org/presentationml/2006/main">
+  <p:cSld>
+    <p:spTree>
+      <p:nvGrpSpPr>
+        <p:cNvPr id="1" name=""/>
+        <p:cNvGrpSpPr/>
+        <p:nvPr/>
+      </p:nvGrpSpPr>
+      <p:grpSpPr>
+        <a:xfrm>
+          <a:off x="0" y="0"/>
+          <a:ext cx="0" cy="0"/>
+          <a:chOff x="0" y="0"/>
+          <a:chExt cx="0" cy="0"/>
+        </a:xfrm>
+      </p:grpSpPr>
+      <p:sp>
+        <p:nvSpPr>
+          <p:cNvPr id="2" name="제목 1"/>
+          <p:cNvSpPr>
+            <a:spLocks noGrp="1"/>
+          </p:cNvSpPr>
+          <p:nvPr>
+            <p:ph type="title"/>
+          </p:nvPr>
+        </p:nvSpPr>
+        <p:spPr/>
+        <p:txBody>
+          <a:bodyPr/>
+          <a:lstStyle/>
+          <a:p>
+            <a:r>
+              <a:rPr lang="ko-KR" altLang="en-US" dirty="0"/>
+              <a:t>서비스 에러 해결</a:t>
+            </a:r>
+          </a:p>
+        </p:txBody>
+      </p:sp>
+      <p:sp>
+        <p:nvSpPr>
+          <p:cNvPr id="3" name="내용 개체 틀 2"/>
+          <p:cNvSpPr>
+            <a:spLocks noGrp="1"/>
+          </p:cNvSpPr>
+          <p:nvPr>
+            <p:ph idx="1"/>
+          </p:nvPr>
+        </p:nvSpPr>
+        <p:spPr>
+          <a:xfrm>
+            <a:off x="479994" y="1952381"/>
+            <a:ext cx="8229600" cy="4525963"/>
+          </a:xfrm>
+        </p:spPr>
+        <p:txBody>
+          <a:bodyPr/>
+          <a:lstStyle/>
+          <a:p>
+            <a:r>
+              <a:rPr lang="en-US" altLang="ko-KR" dirty="0" err="1">
+                <a:solidFill>
+                  <a:schemeClr val="bg1"/>
+                </a:solidFill>
+              </a:rPr>
+              <a:t>getRunningService</a:t>
+            </a:r>
+            <a:r>
+              <a:rPr lang="en-US" altLang="ko-KR" dirty="0">
+                <a:solidFill>
+                  <a:schemeClr val="bg1"/>
+                </a:solidFill>
+              </a:rPr>
+              <a:t> </a:t>
+            </a:r>
+            <a:r>
+              <a:rPr lang="ko-KR" altLang="en-US" dirty="0">
+                <a:solidFill>
+                  <a:schemeClr val="bg1"/>
+                </a:solidFill>
+              </a:rPr>
+              <a:t>사용</a:t>
+            </a:r>
+            <a:endParaRPr lang="en-US" altLang="ko-KR" dirty="0">
+              <a:solidFill>
+                <a:schemeClr val="bg1"/>
+              </a:solidFill>
+            </a:endParaRPr>
+          </a:p>
+          <a:p>
+            <a:endParaRPr lang="en-US" altLang="ko-KR" dirty="0">
+              <a:solidFill>
+                <a:schemeClr val="bg1"/>
+              </a:solidFill>
+            </a:endParaRPr>
+          </a:p>
+        </p:txBody>
+      </p:sp>
+      <p:pic>
+        <p:nvPicPr>
+          <p:cNvPr id="2051" name="Picture 3"/>
           <p:cNvPicPr>
             <a:picLocks noChangeAspect="1" noChangeArrowheads="1"/>
           </p:cNvPicPr>
           <p:nvPr/>
         </p:nvPicPr>
         <p:blipFill>
-          <a:blip r:embed="rId3" cstate="print"/>
+          <a:blip r:embed="rId2" cstate="print"/>
           <a:srcRect/>
           <a:stretch>
             <a:fillRect/>
@@ -4534,8 +5932,8 @@
         </p:blipFill>
         <p:spPr bwMode="auto">
           <a:xfrm>
-            <a:off x="5076056" y="908720"/>
-            <a:ext cx="2914650" cy="5248275"/>
+            <a:off x="323527" y="3462141"/>
+            <a:ext cx="8542535" cy="1506445"/>
           </a:xfrm>
           <a:prstGeom prst="rect">
             <a:avLst/>
@@ -4557,457 +5955,112 @@
   <p:timing>
     <p:tnLst>
       <p:par>
-        <p:cTn id="1" dur="indefinite" restart="never" nodeType="tmRoot"/>
+        <p:cTn id="1" dur="indefinite" restart="never" nodeType="tmRoot">
+          <p:childTnLst>
+            <p:seq concurrent="1" nextAc="seek">
+              <p:cTn id="2" dur="indefinite" nodeType="mainSeq">
+                <p:childTnLst>
+                  <p:par>
+                    <p:cTn id="3" fill="hold">
+                      <p:stCondLst>
+                        <p:cond delay="indefinite"/>
+                      </p:stCondLst>
+                      <p:childTnLst>
+                        <p:par>
+                          <p:cTn id="4" fill="hold">
+                            <p:stCondLst>
+                              <p:cond delay="0"/>
+                            </p:stCondLst>
+                            <p:childTnLst>
+                              <p:par>
+                                <p:cTn id="5" presetID="1" presetClass="entr" presetSubtype="0" fill="hold" grpId="0" nodeType="clickEffect">
+                                  <p:stCondLst>
+                                    <p:cond delay="0"/>
+                                  </p:stCondLst>
+                                  <p:childTnLst>
+                                    <p:set>
+                                      <p:cBhvr>
+                                        <p:cTn id="6" dur="1" fill="hold">
+                                          <p:stCondLst>
+                                            <p:cond delay="0"/>
+                                          </p:stCondLst>
+                                        </p:cTn>
+                                        <p:tgtEl>
+                                          <p:spTgt spid="3">
+                                            <p:txEl>
+                                              <p:pRg st="0" end="0"/>
+                                            </p:txEl>
+                                          </p:spTgt>
+                                        </p:tgtEl>
+                                        <p:attrNameLst>
+                                          <p:attrName>style.visibility</p:attrName>
+                                        </p:attrNameLst>
+                                      </p:cBhvr>
+                                      <p:to>
+                                        <p:strVal val="visible"/>
+                                      </p:to>
+                                    </p:set>
+                                  </p:childTnLst>
+                                </p:cTn>
+                              </p:par>
+                              <p:par>
+                                <p:cTn id="7" presetID="1" presetClass="entr" presetSubtype="0" fill="hold" nodeType="withEffect">
+                                  <p:stCondLst>
+                                    <p:cond delay="0"/>
+                                  </p:stCondLst>
+                                  <p:childTnLst>
+                                    <p:set>
+                                      <p:cBhvr>
+                                        <p:cTn id="8" dur="1" fill="hold">
+                                          <p:stCondLst>
+                                            <p:cond delay="0"/>
+                                          </p:stCondLst>
+                                        </p:cTn>
+                                        <p:tgtEl>
+                                          <p:spTgt spid="2051"/>
+                                        </p:tgtEl>
+                                        <p:attrNameLst>
+                                          <p:attrName>style.visibility</p:attrName>
+                                        </p:attrNameLst>
+                                      </p:cBhvr>
+                                      <p:to>
+                                        <p:strVal val="visible"/>
+                                      </p:to>
+                                    </p:set>
+                                  </p:childTnLst>
+                                </p:cTn>
+                              </p:par>
+                            </p:childTnLst>
+                          </p:cTn>
+                        </p:par>
+                      </p:childTnLst>
+                    </p:cTn>
+                  </p:par>
+                </p:childTnLst>
+              </p:cTn>
+              <p:prevCondLst>
+                <p:cond evt="onPrev" delay="0">
+                  <p:tgtEl>
+                    <p:sldTgt/>
+                  </p:tgtEl>
+                </p:cond>
+              </p:prevCondLst>
+              <p:nextCondLst>
+                <p:cond evt="onNext" delay="0">
+                  <p:tgtEl>
+                    <p:sldTgt/>
+                  </p:tgtEl>
+                </p:cond>
+              </p:nextCondLst>
+            </p:seq>
+          </p:childTnLst>
+        </p:cTn>
       </p:par>
     </p:tnLst>
+    <p:bldLst>
+      <p:bldP spid="3" grpId="0" build="p"/>
+    </p:bldLst>
   </p:timing>
-</p:sld>
-</file>
-
-<file path=ppt/slides/slide6.xml><?xml version="1.0" encoding="utf-8"?>
-<p:sld xmlns:a="http://schemas.openxmlformats.org/drawingml/2006/main" xmlns:r="http://schemas.openxmlformats.org/officeDocument/2006/relationships" xmlns:p="http://schemas.openxmlformats.org/presentationml/2006/main">
-  <p:cSld>
-    <p:spTree>
-      <p:nvGrpSpPr>
-        <p:cNvPr id="1" name=""/>
-        <p:cNvGrpSpPr/>
-        <p:nvPr/>
-      </p:nvGrpSpPr>
-      <p:grpSpPr>
-        <a:xfrm>
-          <a:off x="0" y="0"/>
-          <a:ext cx="0" cy="0"/>
-          <a:chOff x="0" y="0"/>
-          <a:chExt cx="0" cy="0"/>
-        </a:xfrm>
-      </p:grpSpPr>
-      <p:sp>
-        <p:nvSpPr>
-          <p:cNvPr id="2" name="제목 1"/>
-          <p:cNvSpPr>
-            <a:spLocks noGrp="1"/>
-          </p:cNvSpPr>
-          <p:nvPr>
-            <p:ph type="title"/>
-          </p:nvPr>
-        </p:nvSpPr>
-        <p:spPr/>
-        <p:txBody>
-          <a:bodyPr/>
-          <a:lstStyle/>
-          <a:p>
-            <a:r>
-              <a:rPr lang="ko-KR" altLang="en-US" dirty="0" smtClean="0"/>
-              <a:t>발생한 문제</a:t>
-            </a:r>
-            <a:endParaRPr lang="ko-KR" altLang="en-US" dirty="0"/>
-          </a:p>
-        </p:txBody>
-      </p:sp>
-      <p:sp>
-        <p:nvSpPr>
-          <p:cNvPr id="3" name="내용 개체 틀 2"/>
-          <p:cNvSpPr>
-            <a:spLocks noGrp="1"/>
-          </p:cNvSpPr>
-          <p:nvPr>
-            <p:ph idx="1"/>
-          </p:nvPr>
-        </p:nvSpPr>
-        <p:spPr/>
-        <p:txBody>
-          <a:bodyPr/>
-          <a:lstStyle/>
-          <a:p>
-            <a:r>
-              <a:rPr lang="en-US" altLang="ko-KR" dirty="0" smtClean="0">
-                <a:solidFill>
-                  <a:schemeClr val="bg1"/>
-                </a:solidFill>
-              </a:rPr>
-              <a:t>GET_TASK</a:t>
-            </a:r>
-          </a:p>
-          <a:p>
-            <a:pPr>
-              <a:buNone/>
-            </a:pPr>
-            <a:endParaRPr lang="en-US" altLang="ko-KR" dirty="0" smtClean="0">
-              <a:solidFill>
-                <a:schemeClr val="bg1"/>
-              </a:solidFill>
-            </a:endParaRPr>
-          </a:p>
-          <a:p>
-            <a:r>
-              <a:rPr lang="ko-KR" altLang="en-US" dirty="0" smtClean="0">
-                <a:solidFill>
-                  <a:schemeClr val="bg1"/>
-                </a:solidFill>
-              </a:rPr>
-              <a:t>서비스 </a:t>
-            </a:r>
-            <a:r>
-              <a:rPr lang="ko-KR" altLang="en-US" dirty="0" smtClean="0">
-                <a:solidFill>
-                  <a:schemeClr val="bg1"/>
-                </a:solidFill>
-              </a:rPr>
-              <a:t>에러</a:t>
-            </a:r>
-            <a:endParaRPr lang="en-US" altLang="ko-KR" dirty="0" smtClean="0">
-              <a:solidFill>
-                <a:schemeClr val="bg1"/>
-              </a:solidFill>
-            </a:endParaRPr>
-          </a:p>
-          <a:p>
-            <a:endParaRPr lang="en-US" altLang="ko-KR" dirty="0" smtClean="0">
-              <a:solidFill>
-                <a:schemeClr val="bg1"/>
-              </a:solidFill>
-            </a:endParaRPr>
-          </a:p>
-          <a:p>
-            <a:r>
-              <a:rPr lang="ko-KR" altLang="en-US" dirty="0" smtClean="0">
-                <a:solidFill>
-                  <a:schemeClr val="bg1"/>
-                </a:solidFill>
-              </a:rPr>
-              <a:t>리스트 </a:t>
-            </a:r>
-            <a:r>
-              <a:rPr lang="ko-KR" altLang="en-US" dirty="0" err="1" smtClean="0">
-                <a:solidFill>
-                  <a:schemeClr val="bg1"/>
-                </a:solidFill>
-              </a:rPr>
-              <a:t>뷰</a:t>
-            </a:r>
-            <a:r>
-              <a:rPr lang="ko-KR" altLang="en-US" dirty="0" smtClean="0">
-                <a:solidFill>
-                  <a:schemeClr val="bg1"/>
-                </a:solidFill>
-              </a:rPr>
-              <a:t> </a:t>
-            </a:r>
-            <a:r>
-              <a:rPr lang="ko-KR" altLang="en-US" dirty="0" smtClean="0">
-                <a:solidFill>
-                  <a:schemeClr val="bg1"/>
-                </a:solidFill>
-              </a:rPr>
-              <a:t>에러</a:t>
-            </a:r>
-            <a:endParaRPr lang="en-US" altLang="ko-KR" dirty="0" smtClean="0">
-              <a:solidFill>
-                <a:schemeClr val="bg1"/>
-              </a:solidFill>
-            </a:endParaRPr>
-          </a:p>
-          <a:p>
-            <a:endParaRPr lang="en-US" altLang="ko-KR" dirty="0" smtClean="0">
-              <a:solidFill>
-                <a:schemeClr val="bg1"/>
-              </a:solidFill>
-            </a:endParaRPr>
-          </a:p>
-        </p:txBody>
-      </p:sp>
-    </p:spTree>
-  </p:cSld>
-  <p:clrMapOvr>
-    <a:masterClrMapping/>
-  </p:clrMapOvr>
-</p:sld>
-</file>
-
-<file path=ppt/slides/slide7.xml><?xml version="1.0" encoding="utf-8"?>
-<p:sld xmlns:a="http://schemas.openxmlformats.org/drawingml/2006/main" xmlns:r="http://schemas.openxmlformats.org/officeDocument/2006/relationships" xmlns:p="http://schemas.openxmlformats.org/presentationml/2006/main">
-  <p:cSld>
-    <p:spTree>
-      <p:nvGrpSpPr>
-        <p:cNvPr id="1" name=""/>
-        <p:cNvGrpSpPr/>
-        <p:nvPr/>
-      </p:nvGrpSpPr>
-      <p:grpSpPr>
-        <a:xfrm>
-          <a:off x="0" y="0"/>
-          <a:ext cx="0" cy="0"/>
-          <a:chOff x="0" y="0"/>
-          <a:chExt cx="0" cy="0"/>
-        </a:xfrm>
-      </p:grpSpPr>
-      <p:sp>
-        <p:nvSpPr>
-          <p:cNvPr id="2" name="제목 1"/>
-          <p:cNvSpPr>
-            <a:spLocks noGrp="1"/>
-          </p:cNvSpPr>
-          <p:nvPr>
-            <p:ph type="title"/>
-          </p:nvPr>
-        </p:nvSpPr>
-        <p:spPr/>
-        <p:txBody>
-          <a:bodyPr/>
-          <a:lstStyle/>
-          <a:p>
-            <a:r>
-              <a:rPr lang="en-US" altLang="ko-KR" dirty="0" smtClean="0"/>
-              <a:t>GET_TASK </a:t>
-            </a:r>
-            <a:r>
-              <a:rPr lang="ko-KR" altLang="en-US" dirty="0" smtClean="0"/>
-              <a:t>해결</a:t>
-            </a:r>
-            <a:endParaRPr lang="ko-KR" altLang="en-US" dirty="0"/>
-          </a:p>
-        </p:txBody>
-      </p:sp>
-      <p:sp>
-        <p:nvSpPr>
-          <p:cNvPr id="3" name="내용 개체 틀 2"/>
-          <p:cNvSpPr>
-            <a:spLocks noGrp="1"/>
-          </p:cNvSpPr>
-          <p:nvPr>
-            <p:ph idx="1"/>
-          </p:nvPr>
-        </p:nvSpPr>
-        <p:spPr/>
-        <p:txBody>
-          <a:bodyPr/>
-          <a:lstStyle/>
-          <a:p>
-            <a:r>
-              <a:rPr lang="en-US" altLang="ko-KR" dirty="0" err="1" smtClean="0">
-                <a:solidFill>
-                  <a:schemeClr val="bg1"/>
-                </a:solidFill>
-              </a:rPr>
-              <a:t>UsageStatsManager</a:t>
-            </a:r>
-            <a:r>
-              <a:rPr lang="en-US" altLang="ko-KR" dirty="0" smtClean="0">
-                <a:solidFill>
-                  <a:schemeClr val="bg1"/>
-                </a:solidFill>
-              </a:rPr>
-              <a:t> </a:t>
-            </a:r>
-            <a:r>
-              <a:rPr lang="ko-KR" altLang="en-US" dirty="0" smtClean="0">
-                <a:solidFill>
-                  <a:schemeClr val="bg1"/>
-                </a:solidFill>
-              </a:rPr>
-              <a:t>사용</a:t>
-            </a:r>
-            <a:endParaRPr lang="en-US" altLang="ko-KR" dirty="0" smtClean="0">
-              <a:solidFill>
-                <a:schemeClr val="bg1"/>
-              </a:solidFill>
-            </a:endParaRPr>
-          </a:p>
-          <a:p>
-            <a:endParaRPr lang="en-US" altLang="ko-KR" dirty="0" smtClean="0">
-              <a:solidFill>
-                <a:schemeClr val="bg1"/>
-              </a:solidFill>
-            </a:endParaRPr>
-          </a:p>
-          <a:p>
-            <a:endParaRPr lang="ko-KR" altLang="en-US" dirty="0">
-              <a:solidFill>
-                <a:schemeClr val="bg1"/>
-              </a:solidFill>
-            </a:endParaRPr>
-          </a:p>
-        </p:txBody>
-      </p:sp>
-      <p:pic>
-        <p:nvPicPr>
-          <p:cNvPr id="1027" name="Picture 3"/>
-          <p:cNvPicPr>
-            <a:picLocks noChangeAspect="1" noChangeArrowheads="1"/>
-          </p:cNvPicPr>
-          <p:nvPr/>
-        </p:nvPicPr>
-        <p:blipFill>
-          <a:blip r:embed="rId2" cstate="print"/>
-          <a:srcRect/>
-          <a:stretch>
-            <a:fillRect/>
-          </a:stretch>
-        </p:blipFill>
-        <p:spPr bwMode="auto">
-          <a:xfrm>
-            <a:off x="899592" y="2348880"/>
-            <a:ext cx="7128792" cy="4033200"/>
-          </a:xfrm>
-          <a:prstGeom prst="rect">
-            <a:avLst/>
-          </a:prstGeom>
-          <a:noFill/>
-          <a:ln w="9525">
-            <a:noFill/>
-            <a:miter lim="800000"/>
-            <a:headEnd/>
-            <a:tailEnd/>
-          </a:ln>
-        </p:spPr>
-      </p:pic>
-    </p:spTree>
-  </p:cSld>
-  <p:clrMapOvr>
-    <a:masterClrMapping/>
-  </p:clrMapOvr>
-</p:sld>
-</file>
-
-<file path=ppt/slides/slide8.xml><?xml version="1.0" encoding="utf-8"?>
-<p:sld xmlns:a="http://schemas.openxmlformats.org/drawingml/2006/main" xmlns:r="http://schemas.openxmlformats.org/officeDocument/2006/relationships" xmlns:p="http://schemas.openxmlformats.org/presentationml/2006/main">
-  <p:cSld>
-    <p:spTree>
-      <p:nvGrpSpPr>
-        <p:cNvPr id="1" name=""/>
-        <p:cNvGrpSpPr/>
-        <p:nvPr/>
-      </p:nvGrpSpPr>
-      <p:grpSpPr>
-        <a:xfrm>
-          <a:off x="0" y="0"/>
-          <a:ext cx="0" cy="0"/>
-          <a:chOff x="0" y="0"/>
-          <a:chExt cx="0" cy="0"/>
-        </a:xfrm>
-      </p:grpSpPr>
-      <p:sp>
-        <p:nvSpPr>
-          <p:cNvPr id="2" name="제목 1"/>
-          <p:cNvSpPr>
-            <a:spLocks noGrp="1"/>
-          </p:cNvSpPr>
-          <p:nvPr>
-            <p:ph type="title"/>
-          </p:nvPr>
-        </p:nvSpPr>
-        <p:spPr/>
-        <p:txBody>
-          <a:bodyPr/>
-          <a:lstStyle/>
-          <a:p>
-            <a:r>
-              <a:rPr lang="ko-KR" altLang="en-US" dirty="0" smtClean="0"/>
-              <a:t>서비스 에러 해결</a:t>
-            </a:r>
-            <a:endParaRPr lang="ko-KR" altLang="en-US" dirty="0"/>
-          </a:p>
-        </p:txBody>
-      </p:sp>
-      <p:sp>
-        <p:nvSpPr>
-          <p:cNvPr id="3" name="내용 개체 틀 2"/>
-          <p:cNvSpPr>
-            <a:spLocks noGrp="1"/>
-          </p:cNvSpPr>
-          <p:nvPr>
-            <p:ph idx="1"/>
-          </p:nvPr>
-        </p:nvSpPr>
-        <p:spPr/>
-        <p:txBody>
-          <a:bodyPr/>
-          <a:lstStyle/>
-          <a:p>
-            <a:r>
-              <a:rPr lang="en-US" altLang="ko-KR" dirty="0" err="1" smtClean="0">
-                <a:solidFill>
-                  <a:schemeClr val="bg1"/>
-                </a:solidFill>
-              </a:rPr>
-              <a:t>getRunningService</a:t>
-            </a:r>
-            <a:r>
-              <a:rPr lang="en-US" altLang="ko-KR" dirty="0" smtClean="0">
-                <a:solidFill>
-                  <a:schemeClr val="bg1"/>
-                </a:solidFill>
-              </a:rPr>
-              <a:t> </a:t>
-            </a:r>
-            <a:r>
-              <a:rPr lang="ko-KR" altLang="en-US" dirty="0" smtClean="0">
-                <a:solidFill>
-                  <a:schemeClr val="bg1"/>
-                </a:solidFill>
-              </a:rPr>
-              <a:t>사</a:t>
-            </a:r>
-            <a:r>
-              <a:rPr lang="ko-KR" altLang="en-US" dirty="0" smtClean="0">
-                <a:solidFill>
-                  <a:schemeClr val="bg1"/>
-                </a:solidFill>
-              </a:rPr>
-              <a:t>용</a:t>
-            </a:r>
-            <a:endParaRPr lang="en-US" altLang="ko-KR" dirty="0" smtClean="0">
-              <a:solidFill>
-                <a:schemeClr val="bg1"/>
-              </a:solidFill>
-            </a:endParaRPr>
-          </a:p>
-          <a:p>
-            <a:endParaRPr lang="en-US" altLang="ko-KR" dirty="0" smtClean="0">
-              <a:solidFill>
-                <a:schemeClr val="bg1"/>
-              </a:solidFill>
-            </a:endParaRPr>
-          </a:p>
-        </p:txBody>
-      </p:sp>
-      <p:pic>
-        <p:nvPicPr>
-          <p:cNvPr id="2051" name="Picture 3"/>
-          <p:cNvPicPr>
-            <a:picLocks noChangeAspect="1" noChangeArrowheads="1"/>
-          </p:cNvPicPr>
-          <p:nvPr/>
-        </p:nvPicPr>
-        <p:blipFill>
-          <a:blip r:embed="rId2" cstate="print"/>
-          <a:srcRect/>
-          <a:stretch>
-            <a:fillRect/>
-          </a:stretch>
-        </p:blipFill>
-        <p:spPr bwMode="auto">
-          <a:xfrm>
-            <a:off x="323528" y="2708920"/>
-            <a:ext cx="8542535" cy="1506445"/>
-          </a:xfrm>
-          <a:prstGeom prst="rect">
-            <a:avLst/>
-          </a:prstGeom>
-          <a:noFill/>
-          <a:ln w="9525">
-            <a:noFill/>
-            <a:miter lim="800000"/>
-            <a:headEnd/>
-            <a:tailEnd/>
-          </a:ln>
-        </p:spPr>
-      </p:pic>
-    </p:spTree>
-  </p:cSld>
-  <p:clrMapOvr>
-    <a:masterClrMapping/>
-  </p:clrMapOvr>
 </p:sld>
 </file>
 
@@ -5044,31 +6097,27 @@
           <a:lstStyle/>
           <a:p>
             <a:r>
-              <a:rPr lang="ko-KR" altLang="en-US" dirty="0" smtClean="0"/>
+              <a:rPr lang="ko-KR" altLang="en-US" dirty="0"/>
               <a:t>리스트 </a:t>
             </a:r>
             <a:r>
-              <a:rPr lang="ko-KR" altLang="en-US" dirty="0" err="1" smtClean="0"/>
+              <a:rPr lang="ko-KR" altLang="en-US" dirty="0" err="1"/>
               <a:t>뷰</a:t>
             </a:r>
             <a:r>
-              <a:rPr lang="ko-KR" altLang="en-US" dirty="0" smtClean="0"/>
-              <a:t> 에러 </a:t>
-            </a:r>
-            <a:r>
-              <a:rPr lang="ko-KR" altLang="en-US" dirty="0" smtClean="0"/>
-              <a:t>해결 </a:t>
-            </a:r>
-            <a:r>
-              <a:rPr lang="en-US" altLang="ko-KR" dirty="0" smtClean="0"/>
+              <a:rPr lang="ko-KR" altLang="en-US" dirty="0"/>
+              <a:t> 에러 해결 </a:t>
+            </a:r>
+            <a:r>
+              <a:rPr lang="en-US" altLang="ko-KR" dirty="0"/>
               <a:t>(</a:t>
             </a:r>
             <a:r>
-              <a:rPr lang="ko-KR" altLang="en-US" dirty="0" smtClean="0"/>
+              <a:rPr lang="ko-KR" altLang="en-US" dirty="0"/>
               <a:t>임시</a:t>
             </a:r>
             <a:r>
-              <a:rPr lang="en-US" altLang="ko-KR" dirty="0" smtClean="0"/>
+              <a:rPr lang="en-US" altLang="ko-KR" dirty="0"/>
               <a:t>)</a:t>
             </a:r>
             <a:endParaRPr lang="ko-KR" altLang="en-US" dirty="0"/>
@@ -5091,7 +6140,7 @@
           <a:lstStyle/>
           <a:p>
             <a:r>
-              <a:rPr lang="en-US" altLang="ko-KR" dirty="0" err="1" smtClean="0">
+              <a:rPr lang="en-US" altLang="ko-KR" dirty="0" err="1">
                 <a:solidFill>
                   <a:schemeClr val="bg1"/>
                 </a:solidFill>
@@ -5099,7 +6148,7 @@
               <a:t>setSelection</a:t>
             </a:r>
             <a:r>
-              <a:rPr lang="en-US" altLang="ko-KR" dirty="0" smtClean="0">
+              <a:rPr lang="en-US" altLang="ko-KR" dirty="0">
                 <a:solidFill>
                   <a:schemeClr val="bg1"/>
                 </a:solidFill>
@@ -5107,7 +6156,7 @@
               <a:t>, </a:t>
             </a:r>
             <a:r>
-              <a:rPr lang="en-US" altLang="ko-KR" dirty="0" err="1" smtClean="0">
+              <a:rPr lang="en-US" altLang="ko-KR" dirty="0" err="1">
                 <a:solidFill>
                   <a:schemeClr val="bg1"/>
                 </a:solidFill>
@@ -5186,11 +6235,267 @@
           </a:ln>
         </p:spPr>
       </p:pic>
+      <p:pic>
+        <p:nvPicPr>
+          <p:cNvPr id="4" name="그림 3">
+            <a:extLst>
+              <a:ext uri="{FF2B5EF4-FFF2-40B4-BE49-F238E27FC236}">
+                <a16:creationId xmlns:a16="http://schemas.microsoft.com/office/drawing/2014/main" id="{EDFCDC96-B108-4802-9117-F60F05CBACBE}"/>
+              </a:ext>
+            </a:extLst>
+          </p:cNvPr>
+          <p:cNvPicPr>
+            <a:picLocks noChangeAspect="1"/>
+          </p:cNvPicPr>
+          <p:nvPr/>
+        </p:nvPicPr>
+        <p:blipFill>
+          <a:blip r:embed="rId4"/>
+          <a:stretch>
+            <a:fillRect/>
+          </a:stretch>
+        </p:blipFill>
+        <p:spPr>
+          <a:xfrm>
+            <a:off x="2771800" y="727075"/>
+            <a:ext cx="3456384" cy="6155978"/>
+          </a:xfrm>
+          <a:prstGeom prst="rect">
+            <a:avLst/>
+          </a:prstGeom>
+        </p:spPr>
+      </p:pic>
     </p:spTree>
   </p:cSld>
   <p:clrMapOvr>
     <a:masterClrMapping/>
   </p:clrMapOvr>
+  <p:timing>
+    <p:tnLst>
+      <p:par>
+        <p:cTn id="1" dur="indefinite" restart="never" nodeType="tmRoot">
+          <p:childTnLst>
+            <p:seq concurrent="1" nextAc="seek">
+              <p:cTn id="2" dur="indefinite" nodeType="mainSeq">
+                <p:childTnLst>
+                  <p:par>
+                    <p:cTn id="3" fill="hold">
+                      <p:stCondLst>
+                        <p:cond delay="indefinite"/>
+                      </p:stCondLst>
+                      <p:childTnLst>
+                        <p:par>
+                          <p:cTn id="4" fill="hold">
+                            <p:stCondLst>
+                              <p:cond delay="0"/>
+                            </p:stCondLst>
+                            <p:childTnLst>
+                              <p:par>
+                                <p:cTn id="5" presetID="1" presetClass="entr" presetSubtype="0" fill="hold" nodeType="clickEffect">
+                                  <p:stCondLst>
+                                    <p:cond delay="0"/>
+                                  </p:stCondLst>
+                                  <p:childTnLst>
+                                    <p:set>
+                                      <p:cBhvr>
+                                        <p:cTn id="6" dur="1" fill="hold">
+                                          <p:stCondLst>
+                                            <p:cond delay="0"/>
+                                          </p:stCondLst>
+                                        </p:cTn>
+                                        <p:tgtEl>
+                                          <p:spTgt spid="4"/>
+                                        </p:tgtEl>
+                                        <p:attrNameLst>
+                                          <p:attrName>style.visibility</p:attrName>
+                                        </p:attrNameLst>
+                                      </p:cBhvr>
+                                      <p:to>
+                                        <p:strVal val="visible"/>
+                                      </p:to>
+                                    </p:set>
+                                  </p:childTnLst>
+                                </p:cTn>
+                              </p:par>
+                            </p:childTnLst>
+                          </p:cTn>
+                        </p:par>
+                      </p:childTnLst>
+                    </p:cTn>
+                  </p:par>
+                  <p:par>
+                    <p:cTn id="7" fill="hold">
+                      <p:stCondLst>
+                        <p:cond delay="indefinite"/>
+                      </p:stCondLst>
+                      <p:childTnLst>
+                        <p:par>
+                          <p:cTn id="8" fill="hold">
+                            <p:stCondLst>
+                              <p:cond delay="0"/>
+                            </p:stCondLst>
+                            <p:childTnLst>
+                              <p:par>
+                                <p:cTn id="9" presetID="1" presetClass="exit" presetSubtype="0" fill="hold" nodeType="clickEffect">
+                                  <p:stCondLst>
+                                    <p:cond delay="0"/>
+                                  </p:stCondLst>
+                                  <p:childTnLst>
+                                    <p:set>
+                                      <p:cBhvr>
+                                        <p:cTn id="10" dur="1" fill="hold">
+                                          <p:stCondLst>
+                                            <p:cond delay="0"/>
+                                          </p:stCondLst>
+                                        </p:cTn>
+                                        <p:tgtEl>
+                                          <p:spTgt spid="4"/>
+                                        </p:tgtEl>
+                                        <p:attrNameLst>
+                                          <p:attrName>style.visibility</p:attrName>
+                                        </p:attrNameLst>
+                                      </p:cBhvr>
+                                      <p:to>
+                                        <p:strVal val="hidden"/>
+                                      </p:to>
+                                    </p:set>
+                                  </p:childTnLst>
+                                </p:cTn>
+                              </p:par>
+                            </p:childTnLst>
+                          </p:cTn>
+                        </p:par>
+                      </p:childTnLst>
+                    </p:cTn>
+                  </p:par>
+                  <p:par>
+                    <p:cTn id="11" fill="hold">
+                      <p:stCondLst>
+                        <p:cond delay="indefinite"/>
+                      </p:stCondLst>
+                      <p:childTnLst>
+                        <p:par>
+                          <p:cTn id="12" fill="hold">
+                            <p:stCondLst>
+                              <p:cond delay="0"/>
+                            </p:stCondLst>
+                            <p:childTnLst>
+                              <p:par>
+                                <p:cTn id="13" presetID="1" presetClass="entr" presetSubtype="0" fill="hold" grpId="0" nodeType="clickEffect">
+                                  <p:stCondLst>
+                                    <p:cond delay="0"/>
+                                  </p:stCondLst>
+                                  <p:childTnLst>
+                                    <p:set>
+                                      <p:cBhvr>
+                                        <p:cTn id="14" dur="1" fill="hold">
+                                          <p:stCondLst>
+                                            <p:cond delay="0"/>
+                                          </p:stCondLst>
+                                        </p:cTn>
+                                        <p:tgtEl>
+                                          <p:spTgt spid="3">
+                                            <p:txEl>
+                                              <p:pRg st="0" end="0"/>
+                                            </p:txEl>
+                                          </p:spTgt>
+                                        </p:tgtEl>
+                                        <p:attrNameLst>
+                                          <p:attrName>style.visibility</p:attrName>
+                                        </p:attrNameLst>
+                                      </p:cBhvr>
+                                      <p:to>
+                                        <p:strVal val="visible"/>
+                                      </p:to>
+                                    </p:set>
+                                  </p:childTnLst>
+                                </p:cTn>
+                              </p:par>
+                              <p:par>
+                                <p:cTn id="15" presetID="1" presetClass="entr" presetSubtype="0" fill="hold" nodeType="withEffect">
+                                  <p:stCondLst>
+                                    <p:cond delay="0"/>
+                                  </p:stCondLst>
+                                  <p:childTnLst>
+                                    <p:set>
+                                      <p:cBhvr>
+                                        <p:cTn id="16" dur="1" fill="hold">
+                                          <p:stCondLst>
+                                            <p:cond delay="0"/>
+                                          </p:stCondLst>
+                                        </p:cTn>
+                                        <p:tgtEl>
+                                          <p:spTgt spid="3074"/>
+                                        </p:tgtEl>
+                                        <p:attrNameLst>
+                                          <p:attrName>style.visibility</p:attrName>
+                                        </p:attrNameLst>
+                                      </p:cBhvr>
+                                      <p:to>
+                                        <p:strVal val="visible"/>
+                                      </p:to>
+                                    </p:set>
+                                  </p:childTnLst>
+                                </p:cTn>
+                              </p:par>
+                              <p:par>
+                                <p:cTn id="17" presetID="1" presetClass="entr" presetSubtype="0" fill="hold" nodeType="withEffect">
+                                  <p:stCondLst>
+                                    <p:cond delay="0"/>
+                                  </p:stCondLst>
+                                  <p:childTnLst>
+                                    <p:set>
+                                      <p:cBhvr>
+                                        <p:cTn id="18" dur="1" fill="hold">
+                                          <p:stCondLst>
+                                            <p:cond delay="0"/>
+                                          </p:stCondLst>
+                                        </p:cTn>
+                                        <p:tgtEl>
+                                          <p:spTgt spid="3075"/>
+                                        </p:tgtEl>
+                                        <p:attrNameLst>
+                                          <p:attrName>style.visibility</p:attrName>
+                                        </p:attrNameLst>
+                                      </p:cBhvr>
+                                      <p:to>
+                                        <p:strVal val="visible"/>
+                                      </p:to>
+                                    </p:set>
+                                  </p:childTnLst>
+                                </p:cTn>
+                              </p:par>
+                            </p:childTnLst>
+                          </p:cTn>
+                        </p:par>
+                      </p:childTnLst>
+                    </p:cTn>
+                  </p:par>
+                </p:childTnLst>
+              </p:cTn>
+              <p:prevCondLst>
+                <p:cond evt="onPrev" delay="0">
+                  <p:tgtEl>
+                    <p:sldTgt/>
+                  </p:tgtEl>
+                </p:cond>
+              </p:prevCondLst>
+              <p:nextCondLst>
+                <p:cond evt="onNext" delay="0">
+                  <p:tgtEl>
+                    <p:sldTgt/>
+                  </p:tgtEl>
+                </p:cond>
+              </p:nextCondLst>
+            </p:seq>
+          </p:childTnLst>
+        </p:cTn>
+      </p:par>
+    </p:tnLst>
+    <p:bldLst>
+      <p:bldP spid="3" grpId="0" build="p"/>
+    </p:bldLst>
+  </p:timing>
 </p:sld>
 </file>
 

--- a/모바일SW 중간발표.pptx
+++ b/모바일SW 중간발표.pptx
@@ -5494,7 +5494,7 @@
         </p:nvGrpSpPr>
         <p:grpSpPr>
           <a:xfrm>
-            <a:off x="0" y="1290370"/>
+            <a:off x="0" y="1540378"/>
             <a:ext cx="9144000" cy="3506782"/>
             <a:chOff x="0" y="1290370"/>
             <a:chExt cx="9144000" cy="3506782"/>
@@ -5786,6 +5786,37 @@
                                   </p:childTnLst>
                                 </p:cTn>
                               </p:par>
+                              <p:par>
+                                <p:cTn id="15" presetID="1" presetClass="entr" presetSubtype="0" fill="hold" grpId="0" nodeType="withEffect">
+                                  <p:stCondLst>
+                                    <p:cond delay="0"/>
+                                  </p:stCondLst>
+                                  <p:childTnLst>
+                                    <p:set>
+                                      <p:cBhvr>
+                                        <p:cTn id="16" dur="1" fill="hold">
+                                          <p:stCondLst>
+                                            <p:cond delay="0"/>
+                                          </p:stCondLst>
+                                        </p:cTn>
+                                        <p:tgtEl>
+                                          <p:spTgt spid="3">
+                                            <p:txEl>
+                                              <p:pRg st="0" end="0"/>
+                                            </p:txEl>
+                                          </p:spTgt>
+                                        </p:tgtEl>
+                                        <p:attrNameLst>
+                                          <p:attrName>style.visibility</p:attrName>
+                                        </p:attrNameLst>
+                                      </p:cBhvr>
+                                      <p:to>
+                                        <p:strVal val="visible"/>
+                                      </p:to>
+                                    </p:set>
+                                  </p:childTnLst>
+                                </p:cTn>
+                              </p:par>
                             </p:childTnLst>
                           </p:cTn>
                         </p:par>
@@ -5813,6 +5844,9 @@
         </p:cTn>
       </p:par>
     </p:tnLst>
+    <p:bldLst>
+      <p:bldP spid="3" grpId="0" build="p"/>
+    </p:bldLst>
   </p:timing>
 </p:sld>
 </file>
